--- a/docs/Rijksmuseum_data.pptx
+++ b/docs/Rijksmuseum_data.pptx
@@ -4,13 +4,20 @@
   <p:sldMasterIdLst>
     <p:sldMasterId id="2147483660" r:id="rId1"/>
   </p:sldMasterIdLst>
+  <p:notesMasterIdLst>
+    <p:notesMasterId r:id="rId12"/>
+  </p:notesMasterIdLst>
   <p:sldIdLst>
     <p:sldId id="256" r:id="rId2"/>
     <p:sldId id="257" r:id="rId3"/>
     <p:sldId id="261" r:id="rId4"/>
-    <p:sldId id="258" r:id="rId5"/>
-    <p:sldId id="259" r:id="rId6"/>
-    <p:sldId id="260" r:id="rId7"/>
+    <p:sldId id="263" r:id="rId5"/>
+    <p:sldId id="258" r:id="rId6"/>
+    <p:sldId id="264" r:id="rId7"/>
+    <p:sldId id="259" r:id="rId8"/>
+    <p:sldId id="262" r:id="rId9"/>
+    <p:sldId id="265" r:id="rId10"/>
+    <p:sldId id="266" r:id="rId11"/>
   </p:sldIdLst>
   <p:sldSz cx="12192000" cy="6858000"/>
   <p:notesSz cx="6858000" cy="9144000"/>
@@ -110,6 +117,1447 @@
     </a:lvl9pPr>
   </p:defaultTextStyle>
 </p:presentation>
+</file>
+
+<file path=ppt/notesMasters/notesMaster1.xml><?xml version="1.0" encoding="utf-8"?>
+<p:notesMaster xmlns:a="http://schemas.openxmlformats.org/drawingml/2006/main" xmlns:r="http://schemas.openxmlformats.org/officeDocument/2006/relationships" xmlns:p="http://schemas.openxmlformats.org/presentationml/2006/main">
+  <p:cSld>
+    <p:bg>
+      <p:bgRef idx="1001">
+        <a:schemeClr val="bg1"/>
+      </p:bgRef>
+    </p:bg>
+    <p:spTree>
+      <p:nvGrpSpPr>
+        <p:cNvPr id="1" name=""/>
+        <p:cNvGrpSpPr/>
+        <p:nvPr/>
+      </p:nvGrpSpPr>
+      <p:grpSpPr>
+        <a:xfrm>
+          <a:off x="0" y="0"/>
+          <a:ext cx="0" cy="0"/>
+          <a:chOff x="0" y="0"/>
+          <a:chExt cx="0" cy="0"/>
+        </a:xfrm>
+      </p:grpSpPr>
+      <p:sp>
+        <p:nvSpPr>
+          <p:cNvPr id="2" name="Tijdelijke aanduiding voor koptekst 1"/>
+          <p:cNvSpPr>
+            <a:spLocks noGrp="1"/>
+          </p:cNvSpPr>
+          <p:nvPr>
+            <p:ph type="hdr" sz="quarter"/>
+          </p:nvPr>
+        </p:nvSpPr>
+        <p:spPr>
+          <a:xfrm>
+            <a:off x="0" y="0"/>
+            <a:ext cx="2971800" cy="458788"/>
+          </a:xfrm>
+          <a:prstGeom prst="rect">
+            <a:avLst/>
+          </a:prstGeom>
+        </p:spPr>
+        <p:txBody>
+          <a:bodyPr vert="horz" lIns="91440" tIns="45720" rIns="91440" bIns="45720" rtlCol="0"/>
+          <a:lstStyle>
+            <a:lvl1pPr algn="l">
+              <a:defRPr sz="1200"/>
+            </a:lvl1pPr>
+          </a:lstStyle>
+          <a:p>
+            <a:endParaRPr lang="nl-NL"/>
+          </a:p>
+        </p:txBody>
+      </p:sp>
+      <p:sp>
+        <p:nvSpPr>
+          <p:cNvPr id="3" name="Tijdelijke aanduiding voor datum 2"/>
+          <p:cNvSpPr>
+            <a:spLocks noGrp="1"/>
+          </p:cNvSpPr>
+          <p:nvPr>
+            <p:ph type="dt" idx="1"/>
+          </p:nvPr>
+        </p:nvSpPr>
+        <p:spPr>
+          <a:xfrm>
+            <a:off x="3884613" y="0"/>
+            <a:ext cx="2971800" cy="458788"/>
+          </a:xfrm>
+          <a:prstGeom prst="rect">
+            <a:avLst/>
+          </a:prstGeom>
+        </p:spPr>
+        <p:txBody>
+          <a:bodyPr vert="horz" lIns="91440" tIns="45720" rIns="91440" bIns="45720" rtlCol="0"/>
+          <a:lstStyle>
+            <a:lvl1pPr algn="r">
+              <a:defRPr sz="1200"/>
+            </a:lvl1pPr>
+          </a:lstStyle>
+          <a:p>
+            <a:fld id="{BFB946FC-0833-4CAA-8715-2139F0AC7BCF}" type="datetimeFigureOut">
+              <a:rPr lang="nl-NL" smtClean="0"/>
+              <a:t>11-6-2023</a:t>
+            </a:fld>
+            <a:endParaRPr lang="nl-NL"/>
+          </a:p>
+        </p:txBody>
+      </p:sp>
+      <p:sp>
+        <p:nvSpPr>
+          <p:cNvPr id="4" name="Tijdelijke aanduiding voor dia-afbeelding 3"/>
+          <p:cNvSpPr>
+            <a:spLocks noGrp="1" noRot="1" noChangeAspect="1"/>
+          </p:cNvSpPr>
+          <p:nvPr>
+            <p:ph type="sldImg" idx="2"/>
+          </p:nvPr>
+        </p:nvSpPr>
+        <p:spPr>
+          <a:xfrm>
+            <a:off x="685800" y="1143000"/>
+            <a:ext cx="5486400" cy="3086100"/>
+          </a:xfrm>
+          <a:prstGeom prst="rect">
+            <a:avLst/>
+          </a:prstGeom>
+          <a:noFill/>
+          <a:ln w="12700">
+            <a:solidFill>
+              <a:prstClr val="black"/>
+            </a:solidFill>
+          </a:ln>
+        </p:spPr>
+        <p:txBody>
+          <a:bodyPr vert="horz" lIns="91440" tIns="45720" rIns="91440" bIns="45720" rtlCol="0" anchor="ctr"/>
+          <a:lstStyle/>
+          <a:p>
+            <a:endParaRPr lang="nl-NL"/>
+          </a:p>
+        </p:txBody>
+      </p:sp>
+      <p:sp>
+        <p:nvSpPr>
+          <p:cNvPr id="5" name="Tijdelijke aanduiding voor notities 4"/>
+          <p:cNvSpPr>
+            <a:spLocks noGrp="1"/>
+          </p:cNvSpPr>
+          <p:nvPr>
+            <p:ph type="body" sz="quarter" idx="3"/>
+          </p:nvPr>
+        </p:nvSpPr>
+        <p:spPr>
+          <a:xfrm>
+            <a:off x="685800" y="4400550"/>
+            <a:ext cx="5486400" cy="3600450"/>
+          </a:xfrm>
+          <a:prstGeom prst="rect">
+            <a:avLst/>
+          </a:prstGeom>
+        </p:spPr>
+        <p:txBody>
+          <a:bodyPr vert="horz" lIns="91440" tIns="45720" rIns="91440" bIns="45720" rtlCol="0"/>
+          <a:lstStyle/>
+          <a:p>
+            <a:pPr lvl="0"/>
+            <a:r>
+              <a:rPr lang="nl-NL"/>
+              <a:t>Klikken om de tekststijl van het model te bewerken</a:t>
+            </a:r>
+          </a:p>
+          <a:p>
+            <a:pPr lvl="1"/>
+            <a:r>
+              <a:rPr lang="nl-NL"/>
+              <a:t>Tweede niveau</a:t>
+            </a:r>
+          </a:p>
+          <a:p>
+            <a:pPr lvl="2"/>
+            <a:r>
+              <a:rPr lang="nl-NL"/>
+              <a:t>Derde niveau</a:t>
+            </a:r>
+          </a:p>
+          <a:p>
+            <a:pPr lvl="3"/>
+            <a:r>
+              <a:rPr lang="nl-NL"/>
+              <a:t>Vierde niveau</a:t>
+            </a:r>
+          </a:p>
+          <a:p>
+            <a:pPr lvl="4"/>
+            <a:r>
+              <a:rPr lang="nl-NL"/>
+              <a:t>Vijfde niveau</a:t>
+            </a:r>
+          </a:p>
+        </p:txBody>
+      </p:sp>
+      <p:sp>
+        <p:nvSpPr>
+          <p:cNvPr id="6" name="Tijdelijke aanduiding voor voettekst 5"/>
+          <p:cNvSpPr>
+            <a:spLocks noGrp="1"/>
+          </p:cNvSpPr>
+          <p:nvPr>
+            <p:ph type="ftr" sz="quarter" idx="4"/>
+          </p:nvPr>
+        </p:nvSpPr>
+        <p:spPr>
+          <a:xfrm>
+            <a:off x="0" y="8685213"/>
+            <a:ext cx="2971800" cy="458787"/>
+          </a:xfrm>
+          <a:prstGeom prst="rect">
+            <a:avLst/>
+          </a:prstGeom>
+        </p:spPr>
+        <p:txBody>
+          <a:bodyPr vert="horz" lIns="91440" tIns="45720" rIns="91440" bIns="45720" rtlCol="0" anchor="b"/>
+          <a:lstStyle>
+            <a:lvl1pPr algn="l">
+              <a:defRPr sz="1200"/>
+            </a:lvl1pPr>
+          </a:lstStyle>
+          <a:p>
+            <a:endParaRPr lang="nl-NL"/>
+          </a:p>
+        </p:txBody>
+      </p:sp>
+      <p:sp>
+        <p:nvSpPr>
+          <p:cNvPr id="7" name="Tijdelijke aanduiding voor dianummer 6"/>
+          <p:cNvSpPr>
+            <a:spLocks noGrp="1"/>
+          </p:cNvSpPr>
+          <p:nvPr>
+            <p:ph type="sldNum" sz="quarter" idx="5"/>
+          </p:nvPr>
+        </p:nvSpPr>
+        <p:spPr>
+          <a:xfrm>
+            <a:off x="3884613" y="8685213"/>
+            <a:ext cx="2971800" cy="458787"/>
+          </a:xfrm>
+          <a:prstGeom prst="rect">
+            <a:avLst/>
+          </a:prstGeom>
+        </p:spPr>
+        <p:txBody>
+          <a:bodyPr vert="horz" lIns="91440" tIns="45720" rIns="91440" bIns="45720" rtlCol="0" anchor="b"/>
+          <a:lstStyle>
+            <a:lvl1pPr algn="r">
+              <a:defRPr sz="1200"/>
+            </a:lvl1pPr>
+          </a:lstStyle>
+          <a:p>
+            <a:fld id="{84713EA4-37DD-4F89-A48A-CBFC8AFE941C}" type="slidenum">
+              <a:rPr lang="nl-NL" smtClean="0"/>
+              <a:t>‹nr.›</a:t>
+            </a:fld>
+            <a:endParaRPr lang="nl-NL"/>
+          </a:p>
+        </p:txBody>
+      </p:sp>
+    </p:spTree>
+    <p:extLst>
+      <p:ext uri="{BB962C8B-B14F-4D97-AF65-F5344CB8AC3E}">
+        <p14:creationId xmlns:p14="http://schemas.microsoft.com/office/powerpoint/2010/main" val="655280358"/>
+      </p:ext>
+    </p:extLst>
+  </p:cSld>
+  <p:clrMap bg1="lt1" tx1="dk1" bg2="lt2" tx2="dk2" accent1="accent1" accent2="accent2" accent3="accent3" accent4="accent4" accent5="accent5" accent6="accent6" hlink="hlink" folHlink="folHlink"/>
+  <p:notesStyle>
+    <a:lvl1pPr marL="0" algn="l" defTabSz="914400" rtl="0" eaLnBrk="1" latinLnBrk="0" hangingPunct="1">
+      <a:defRPr sz="1200" kern="1200">
+        <a:solidFill>
+          <a:schemeClr val="tx1"/>
+        </a:solidFill>
+        <a:latin typeface="+mn-lt"/>
+        <a:ea typeface="+mn-ea"/>
+        <a:cs typeface="+mn-cs"/>
+      </a:defRPr>
+    </a:lvl1pPr>
+    <a:lvl2pPr marL="457200" algn="l" defTabSz="914400" rtl="0" eaLnBrk="1" latinLnBrk="0" hangingPunct="1">
+      <a:defRPr sz="1200" kern="1200">
+        <a:solidFill>
+          <a:schemeClr val="tx1"/>
+        </a:solidFill>
+        <a:latin typeface="+mn-lt"/>
+        <a:ea typeface="+mn-ea"/>
+        <a:cs typeface="+mn-cs"/>
+      </a:defRPr>
+    </a:lvl2pPr>
+    <a:lvl3pPr marL="914400" algn="l" defTabSz="914400" rtl="0" eaLnBrk="1" latinLnBrk="0" hangingPunct="1">
+      <a:defRPr sz="1200" kern="1200">
+        <a:solidFill>
+          <a:schemeClr val="tx1"/>
+        </a:solidFill>
+        <a:latin typeface="+mn-lt"/>
+        <a:ea typeface="+mn-ea"/>
+        <a:cs typeface="+mn-cs"/>
+      </a:defRPr>
+    </a:lvl3pPr>
+    <a:lvl4pPr marL="1371600" algn="l" defTabSz="914400" rtl="0" eaLnBrk="1" latinLnBrk="0" hangingPunct="1">
+      <a:defRPr sz="1200" kern="1200">
+        <a:solidFill>
+          <a:schemeClr val="tx1"/>
+        </a:solidFill>
+        <a:latin typeface="+mn-lt"/>
+        <a:ea typeface="+mn-ea"/>
+        <a:cs typeface="+mn-cs"/>
+      </a:defRPr>
+    </a:lvl4pPr>
+    <a:lvl5pPr marL="1828800" algn="l" defTabSz="914400" rtl="0" eaLnBrk="1" latinLnBrk="0" hangingPunct="1">
+      <a:defRPr sz="1200" kern="1200">
+        <a:solidFill>
+          <a:schemeClr val="tx1"/>
+        </a:solidFill>
+        <a:latin typeface="+mn-lt"/>
+        <a:ea typeface="+mn-ea"/>
+        <a:cs typeface="+mn-cs"/>
+      </a:defRPr>
+    </a:lvl5pPr>
+    <a:lvl6pPr marL="2286000" algn="l" defTabSz="914400" rtl="0" eaLnBrk="1" latinLnBrk="0" hangingPunct="1">
+      <a:defRPr sz="1200" kern="1200">
+        <a:solidFill>
+          <a:schemeClr val="tx1"/>
+        </a:solidFill>
+        <a:latin typeface="+mn-lt"/>
+        <a:ea typeface="+mn-ea"/>
+        <a:cs typeface="+mn-cs"/>
+      </a:defRPr>
+    </a:lvl6pPr>
+    <a:lvl7pPr marL="2743200" algn="l" defTabSz="914400" rtl="0" eaLnBrk="1" latinLnBrk="0" hangingPunct="1">
+      <a:defRPr sz="1200" kern="1200">
+        <a:solidFill>
+          <a:schemeClr val="tx1"/>
+        </a:solidFill>
+        <a:latin typeface="+mn-lt"/>
+        <a:ea typeface="+mn-ea"/>
+        <a:cs typeface="+mn-cs"/>
+      </a:defRPr>
+    </a:lvl7pPr>
+    <a:lvl8pPr marL="3200400" algn="l" defTabSz="914400" rtl="0" eaLnBrk="1" latinLnBrk="0" hangingPunct="1">
+      <a:defRPr sz="1200" kern="1200">
+        <a:solidFill>
+          <a:schemeClr val="tx1"/>
+        </a:solidFill>
+        <a:latin typeface="+mn-lt"/>
+        <a:ea typeface="+mn-ea"/>
+        <a:cs typeface="+mn-cs"/>
+      </a:defRPr>
+    </a:lvl8pPr>
+    <a:lvl9pPr marL="3657600" algn="l" defTabSz="914400" rtl="0" eaLnBrk="1" latinLnBrk="0" hangingPunct="1">
+      <a:defRPr sz="1200" kern="1200">
+        <a:solidFill>
+          <a:schemeClr val="tx1"/>
+        </a:solidFill>
+        <a:latin typeface="+mn-lt"/>
+        <a:ea typeface="+mn-ea"/>
+        <a:cs typeface="+mn-cs"/>
+      </a:defRPr>
+    </a:lvl9pPr>
+  </p:notesStyle>
+</p:notesMaster>
+</file>
+
+<file path=ppt/notesSlides/notesSlide1.xml><?xml version="1.0" encoding="utf-8"?>
+<p:notes xmlns:a="http://schemas.openxmlformats.org/drawingml/2006/main" xmlns:r="http://schemas.openxmlformats.org/officeDocument/2006/relationships" xmlns:p="http://schemas.openxmlformats.org/presentationml/2006/main">
+  <p:cSld>
+    <p:spTree>
+      <p:nvGrpSpPr>
+        <p:cNvPr id="1" name=""/>
+        <p:cNvGrpSpPr/>
+        <p:nvPr/>
+      </p:nvGrpSpPr>
+      <p:grpSpPr>
+        <a:xfrm>
+          <a:off x="0" y="0"/>
+          <a:ext cx="0" cy="0"/>
+          <a:chOff x="0" y="0"/>
+          <a:chExt cx="0" cy="0"/>
+        </a:xfrm>
+      </p:grpSpPr>
+      <p:sp>
+        <p:nvSpPr>
+          <p:cNvPr id="2" name="Tijdelijke aanduiding voor dia-afbeelding 1"/>
+          <p:cNvSpPr>
+            <a:spLocks noGrp="1" noRot="1" noChangeAspect="1"/>
+          </p:cNvSpPr>
+          <p:nvPr>
+            <p:ph type="sldImg"/>
+          </p:nvPr>
+        </p:nvSpPr>
+        <p:spPr/>
+      </p:sp>
+      <p:sp>
+        <p:nvSpPr>
+          <p:cNvPr id="3" name="Tijdelijke aanduiding voor notities 2"/>
+          <p:cNvSpPr>
+            <a:spLocks noGrp="1"/>
+          </p:cNvSpPr>
+          <p:nvPr>
+            <p:ph type="body" idx="1"/>
+          </p:nvPr>
+        </p:nvSpPr>
+        <p:spPr/>
+        <p:txBody>
+          <a:bodyPr/>
+          <a:lstStyle/>
+          <a:p>
+            <a:r>
+              <a:rPr lang="nl-NL" dirty="0"/>
+              <a:t>Intro, BZ,</a:t>
+            </a:r>
+          </a:p>
+          <a:p>
+            <a:r>
+              <a:rPr lang="nl-NL" dirty="0"/>
+              <a:t>Data Engineer</a:t>
+            </a:r>
+          </a:p>
+          <a:p>
+            <a:r>
+              <a:rPr lang="nl-NL" dirty="0"/>
+              <a:t>Kadaster</a:t>
+            </a:r>
+          </a:p>
+          <a:p>
+            <a:r>
+              <a:rPr lang="nl-NL" dirty="0" err="1"/>
+              <a:t>Spatial</a:t>
+            </a:r>
+            <a:r>
+              <a:rPr lang="nl-NL" dirty="0"/>
+              <a:t> background</a:t>
+            </a:r>
+          </a:p>
+        </p:txBody>
+      </p:sp>
+      <p:sp>
+        <p:nvSpPr>
+          <p:cNvPr id="4" name="Tijdelijke aanduiding voor dianummer 3"/>
+          <p:cNvSpPr>
+            <a:spLocks noGrp="1"/>
+          </p:cNvSpPr>
+          <p:nvPr>
+            <p:ph type="sldNum" sz="quarter" idx="5"/>
+          </p:nvPr>
+        </p:nvSpPr>
+        <p:spPr/>
+        <p:txBody>
+          <a:bodyPr/>
+          <a:lstStyle/>
+          <a:p>
+            <a:fld id="{84713EA4-37DD-4F89-A48A-CBFC8AFE941C}" type="slidenum">
+              <a:rPr lang="nl-NL" smtClean="0"/>
+              <a:t>1</a:t>
+            </a:fld>
+            <a:endParaRPr lang="nl-NL"/>
+          </a:p>
+        </p:txBody>
+      </p:sp>
+    </p:spTree>
+    <p:extLst>
+      <p:ext uri="{BB962C8B-B14F-4D97-AF65-F5344CB8AC3E}">
+        <p14:creationId xmlns:p14="http://schemas.microsoft.com/office/powerpoint/2010/main" val="1480869124"/>
+      </p:ext>
+    </p:extLst>
+  </p:cSld>
+  <p:clrMapOvr>
+    <a:masterClrMapping/>
+  </p:clrMapOvr>
+</p:notes>
+</file>
+
+<file path=ppt/notesSlides/notesSlide2.xml><?xml version="1.0" encoding="utf-8"?>
+<p:notes xmlns:a="http://schemas.openxmlformats.org/drawingml/2006/main" xmlns:r="http://schemas.openxmlformats.org/officeDocument/2006/relationships" xmlns:p="http://schemas.openxmlformats.org/presentationml/2006/main">
+  <p:cSld>
+    <p:spTree>
+      <p:nvGrpSpPr>
+        <p:cNvPr id="1" name=""/>
+        <p:cNvGrpSpPr/>
+        <p:nvPr/>
+      </p:nvGrpSpPr>
+      <p:grpSpPr>
+        <a:xfrm>
+          <a:off x="0" y="0"/>
+          <a:ext cx="0" cy="0"/>
+          <a:chOff x="0" y="0"/>
+          <a:chExt cx="0" cy="0"/>
+        </a:xfrm>
+      </p:grpSpPr>
+      <p:sp>
+        <p:nvSpPr>
+          <p:cNvPr id="2" name="Tijdelijke aanduiding voor dia-afbeelding 1"/>
+          <p:cNvSpPr>
+            <a:spLocks noGrp="1" noRot="1" noChangeAspect="1"/>
+          </p:cNvSpPr>
+          <p:nvPr>
+            <p:ph type="sldImg"/>
+          </p:nvPr>
+        </p:nvSpPr>
+        <p:spPr/>
+      </p:sp>
+      <p:sp>
+        <p:nvSpPr>
+          <p:cNvPr id="3" name="Tijdelijke aanduiding voor notities 2"/>
+          <p:cNvSpPr>
+            <a:spLocks noGrp="1"/>
+          </p:cNvSpPr>
+          <p:nvPr>
+            <p:ph type="body" idx="1"/>
+          </p:nvPr>
+        </p:nvSpPr>
+        <p:spPr/>
+        <p:txBody>
+          <a:bodyPr/>
+          <a:lstStyle/>
+          <a:p>
+            <a:r>
+              <a:rPr lang="nl-NL" dirty="0" err="1"/>
+              <a:t>Why</a:t>
+            </a:r>
+            <a:r>
+              <a:rPr lang="nl-NL" dirty="0"/>
+              <a:t> ELT</a:t>
+            </a:r>
+          </a:p>
+          <a:p>
+            <a:r>
+              <a:rPr lang="nl-NL" dirty="0" err="1"/>
+              <a:t>Why</a:t>
+            </a:r>
+            <a:r>
+              <a:rPr lang="nl-NL" dirty="0"/>
+              <a:t> </a:t>
+            </a:r>
+            <a:r>
+              <a:rPr lang="nl-NL" dirty="0" err="1"/>
+              <a:t>medallion</a:t>
+            </a:r>
+            <a:r>
+              <a:rPr lang="nl-NL" baseline="0" dirty="0"/>
+              <a:t> model</a:t>
+            </a:r>
+            <a:endParaRPr lang="nl-NL" dirty="0"/>
+          </a:p>
+        </p:txBody>
+      </p:sp>
+      <p:sp>
+        <p:nvSpPr>
+          <p:cNvPr id="4" name="Tijdelijke aanduiding voor dianummer 3"/>
+          <p:cNvSpPr>
+            <a:spLocks noGrp="1"/>
+          </p:cNvSpPr>
+          <p:nvPr>
+            <p:ph type="sldNum" sz="quarter" idx="5"/>
+          </p:nvPr>
+        </p:nvSpPr>
+        <p:spPr/>
+        <p:txBody>
+          <a:bodyPr/>
+          <a:lstStyle/>
+          <a:p>
+            <a:fld id="{84713EA4-37DD-4F89-A48A-CBFC8AFE941C}" type="slidenum">
+              <a:rPr lang="nl-NL" smtClean="0"/>
+              <a:t>2</a:t>
+            </a:fld>
+            <a:endParaRPr lang="nl-NL"/>
+          </a:p>
+        </p:txBody>
+      </p:sp>
+    </p:spTree>
+    <p:extLst>
+      <p:ext uri="{BB962C8B-B14F-4D97-AF65-F5344CB8AC3E}">
+        <p14:creationId xmlns:p14="http://schemas.microsoft.com/office/powerpoint/2010/main" val="3682764264"/>
+      </p:ext>
+    </p:extLst>
+  </p:cSld>
+  <p:clrMapOvr>
+    <a:masterClrMapping/>
+  </p:clrMapOvr>
+</p:notes>
+</file>
+
+<file path=ppt/notesSlides/notesSlide3.xml><?xml version="1.0" encoding="utf-8"?>
+<p:notes xmlns:a="http://schemas.openxmlformats.org/drawingml/2006/main" xmlns:r="http://schemas.openxmlformats.org/officeDocument/2006/relationships" xmlns:p="http://schemas.openxmlformats.org/presentationml/2006/main">
+  <p:cSld>
+    <p:spTree>
+      <p:nvGrpSpPr>
+        <p:cNvPr id="1" name=""/>
+        <p:cNvGrpSpPr/>
+        <p:nvPr/>
+      </p:nvGrpSpPr>
+      <p:grpSpPr>
+        <a:xfrm>
+          <a:off x="0" y="0"/>
+          <a:ext cx="0" cy="0"/>
+          <a:chOff x="0" y="0"/>
+          <a:chExt cx="0" cy="0"/>
+        </a:xfrm>
+      </p:grpSpPr>
+      <p:sp>
+        <p:nvSpPr>
+          <p:cNvPr id="2" name="Tijdelijke aanduiding voor dia-afbeelding 1"/>
+          <p:cNvSpPr>
+            <a:spLocks noGrp="1" noRot="1" noChangeAspect="1"/>
+          </p:cNvSpPr>
+          <p:nvPr>
+            <p:ph type="sldImg"/>
+          </p:nvPr>
+        </p:nvSpPr>
+        <p:spPr/>
+      </p:sp>
+      <p:sp>
+        <p:nvSpPr>
+          <p:cNvPr id="3" name="Tijdelijke aanduiding voor notities 2"/>
+          <p:cNvSpPr>
+            <a:spLocks noGrp="1"/>
+          </p:cNvSpPr>
+          <p:nvPr>
+            <p:ph type="body" idx="1"/>
+          </p:nvPr>
+        </p:nvSpPr>
+        <p:spPr/>
+        <p:txBody>
+          <a:bodyPr/>
+          <a:lstStyle/>
+          <a:p>
+            <a:r>
+              <a:rPr lang="nl-NL" dirty="0" err="1"/>
+              <a:t>XMLs</a:t>
+            </a:r>
+            <a:r>
+              <a:rPr lang="nl-NL" dirty="0"/>
+              <a:t> </a:t>
+            </a:r>
+            <a:r>
+              <a:rPr lang="nl-NL" dirty="0" err="1"/>
+              <a:t>to</a:t>
+            </a:r>
+            <a:r>
+              <a:rPr lang="nl-NL" dirty="0"/>
+              <a:t> DBMS,</a:t>
+            </a:r>
+            <a:r>
+              <a:rPr lang="nl-NL" baseline="0" dirty="0"/>
+              <a:t> </a:t>
+            </a:r>
+            <a:r>
+              <a:rPr lang="nl-NL" baseline="0" dirty="0" err="1"/>
+              <a:t>transformations</a:t>
+            </a:r>
+            <a:r>
+              <a:rPr lang="nl-NL" baseline="0" dirty="0"/>
+              <a:t> in </a:t>
+            </a:r>
+            <a:r>
+              <a:rPr lang="nl-NL" baseline="0" dirty="0" err="1"/>
+              <a:t>Dbricks</a:t>
+            </a:r>
+            <a:endParaRPr lang="nl-NL" baseline="0" dirty="0"/>
+          </a:p>
+          <a:p>
+            <a:endParaRPr lang="nl-NL" dirty="0"/>
+          </a:p>
+        </p:txBody>
+      </p:sp>
+      <p:sp>
+        <p:nvSpPr>
+          <p:cNvPr id="4" name="Tijdelijke aanduiding voor dianummer 3"/>
+          <p:cNvSpPr>
+            <a:spLocks noGrp="1"/>
+          </p:cNvSpPr>
+          <p:nvPr>
+            <p:ph type="sldNum" sz="quarter" idx="5"/>
+          </p:nvPr>
+        </p:nvSpPr>
+        <p:spPr/>
+        <p:txBody>
+          <a:bodyPr/>
+          <a:lstStyle/>
+          <a:p>
+            <a:fld id="{84713EA4-37DD-4F89-A48A-CBFC8AFE941C}" type="slidenum">
+              <a:rPr lang="nl-NL" smtClean="0"/>
+              <a:t>3</a:t>
+            </a:fld>
+            <a:endParaRPr lang="nl-NL"/>
+          </a:p>
+        </p:txBody>
+      </p:sp>
+    </p:spTree>
+    <p:extLst>
+      <p:ext uri="{BB962C8B-B14F-4D97-AF65-F5344CB8AC3E}">
+        <p14:creationId xmlns:p14="http://schemas.microsoft.com/office/powerpoint/2010/main" val="3943281867"/>
+      </p:ext>
+    </p:extLst>
+  </p:cSld>
+  <p:clrMapOvr>
+    <a:masterClrMapping/>
+  </p:clrMapOvr>
+</p:notes>
+</file>
+
+<file path=ppt/notesSlides/notesSlide4.xml><?xml version="1.0" encoding="utf-8"?>
+<p:notes xmlns:a="http://schemas.openxmlformats.org/drawingml/2006/main" xmlns:r="http://schemas.openxmlformats.org/officeDocument/2006/relationships" xmlns:p="http://schemas.openxmlformats.org/presentationml/2006/main">
+  <p:cSld>
+    <p:spTree>
+      <p:nvGrpSpPr>
+        <p:cNvPr id="1" name=""/>
+        <p:cNvGrpSpPr/>
+        <p:nvPr/>
+      </p:nvGrpSpPr>
+      <p:grpSpPr>
+        <a:xfrm>
+          <a:off x="0" y="0"/>
+          <a:ext cx="0" cy="0"/>
+          <a:chOff x="0" y="0"/>
+          <a:chExt cx="0" cy="0"/>
+        </a:xfrm>
+      </p:grpSpPr>
+      <p:sp>
+        <p:nvSpPr>
+          <p:cNvPr id="2" name="Tijdelijke aanduiding voor dia-afbeelding 1"/>
+          <p:cNvSpPr>
+            <a:spLocks noGrp="1" noRot="1" noChangeAspect="1"/>
+          </p:cNvSpPr>
+          <p:nvPr>
+            <p:ph type="sldImg"/>
+          </p:nvPr>
+        </p:nvSpPr>
+        <p:spPr/>
+      </p:sp>
+      <p:sp>
+        <p:nvSpPr>
+          <p:cNvPr id="3" name="Tijdelijke aanduiding voor notities 2"/>
+          <p:cNvSpPr>
+            <a:spLocks noGrp="1"/>
+          </p:cNvSpPr>
+          <p:nvPr>
+            <p:ph type="body" idx="1"/>
+          </p:nvPr>
+        </p:nvSpPr>
+        <p:spPr/>
+        <p:txBody>
+          <a:bodyPr/>
+          <a:lstStyle/>
+          <a:p>
+            <a:r>
+              <a:rPr lang="nl-NL" dirty="0"/>
+              <a:t>RAW XML data</a:t>
+            </a:r>
+          </a:p>
+          <a:p>
+            <a:r>
+              <a:rPr lang="nl-NL" dirty="0" err="1"/>
+              <a:t>Dbricks</a:t>
+            </a:r>
+            <a:r>
+              <a:rPr lang="nl-NL" dirty="0"/>
+              <a:t> is </a:t>
+            </a:r>
+            <a:r>
+              <a:rPr lang="nl-NL" dirty="0" err="1"/>
+              <a:t>faster</a:t>
+            </a:r>
+            <a:endParaRPr lang="nl-NL" dirty="0"/>
+          </a:p>
+          <a:p>
+            <a:r>
+              <a:rPr lang="nl-NL" dirty="0" err="1"/>
+              <a:t>Backup</a:t>
+            </a:r>
+            <a:r>
+              <a:rPr lang="nl-NL" dirty="0"/>
+              <a:t> </a:t>
+            </a:r>
+            <a:r>
+              <a:rPr lang="nl-NL" dirty="0" err="1"/>
+              <a:t>if</a:t>
+            </a:r>
+            <a:r>
+              <a:rPr lang="nl-NL" dirty="0"/>
+              <a:t> </a:t>
+            </a:r>
+            <a:r>
+              <a:rPr lang="nl-NL" dirty="0" err="1"/>
+              <a:t>you</a:t>
+            </a:r>
+            <a:r>
+              <a:rPr lang="nl-NL" dirty="0"/>
+              <a:t> want </a:t>
+            </a:r>
+            <a:r>
+              <a:rPr lang="nl-NL" dirty="0" err="1"/>
+              <a:t>to</a:t>
+            </a:r>
+            <a:r>
+              <a:rPr lang="nl-NL" dirty="0"/>
+              <a:t> change </a:t>
+            </a:r>
+            <a:r>
+              <a:rPr lang="nl-NL" dirty="0" err="1"/>
+              <a:t>your</a:t>
+            </a:r>
+            <a:r>
+              <a:rPr lang="nl-NL" dirty="0"/>
+              <a:t> ELT </a:t>
+            </a:r>
+            <a:r>
+              <a:rPr lang="nl-NL" dirty="0" err="1"/>
+              <a:t>process</a:t>
+            </a:r>
+            <a:r>
+              <a:rPr lang="nl-NL" dirty="0"/>
+              <a:t> / API </a:t>
+            </a:r>
+            <a:r>
+              <a:rPr lang="nl-NL" dirty="0" err="1"/>
+              <a:t>becomes</a:t>
+            </a:r>
+            <a:r>
+              <a:rPr lang="nl-NL" dirty="0"/>
+              <a:t> </a:t>
+            </a:r>
+            <a:r>
+              <a:rPr lang="nl-NL" dirty="0" err="1"/>
+              <a:t>unavailable</a:t>
+            </a:r>
+            <a:r>
+              <a:rPr lang="nl-NL" baseline="0" dirty="0"/>
+              <a:t> (</a:t>
+            </a:r>
+            <a:r>
+              <a:rPr lang="nl-NL" baseline="0" dirty="0" err="1"/>
+              <a:t>think</a:t>
+            </a:r>
+            <a:r>
+              <a:rPr lang="nl-NL" baseline="0" dirty="0"/>
+              <a:t> Twitter)</a:t>
+            </a:r>
+            <a:endParaRPr lang="nl-NL" dirty="0"/>
+          </a:p>
+        </p:txBody>
+      </p:sp>
+      <p:sp>
+        <p:nvSpPr>
+          <p:cNvPr id="4" name="Tijdelijke aanduiding voor dianummer 3"/>
+          <p:cNvSpPr>
+            <a:spLocks noGrp="1"/>
+          </p:cNvSpPr>
+          <p:nvPr>
+            <p:ph type="sldNum" sz="quarter" idx="5"/>
+          </p:nvPr>
+        </p:nvSpPr>
+        <p:spPr/>
+        <p:txBody>
+          <a:bodyPr/>
+          <a:lstStyle/>
+          <a:p>
+            <a:fld id="{84713EA4-37DD-4F89-A48A-CBFC8AFE941C}" type="slidenum">
+              <a:rPr lang="nl-NL" smtClean="0"/>
+              <a:t>5</a:t>
+            </a:fld>
+            <a:endParaRPr lang="nl-NL"/>
+          </a:p>
+        </p:txBody>
+      </p:sp>
+    </p:spTree>
+    <p:extLst>
+      <p:ext uri="{BB962C8B-B14F-4D97-AF65-F5344CB8AC3E}">
+        <p14:creationId xmlns:p14="http://schemas.microsoft.com/office/powerpoint/2010/main" val="3658992283"/>
+      </p:ext>
+    </p:extLst>
+  </p:cSld>
+  <p:clrMapOvr>
+    <a:masterClrMapping/>
+  </p:clrMapOvr>
+</p:notes>
+</file>
+
+<file path=ppt/notesSlides/notesSlide5.xml><?xml version="1.0" encoding="utf-8"?>
+<p:notes xmlns:a="http://schemas.openxmlformats.org/drawingml/2006/main" xmlns:r="http://schemas.openxmlformats.org/officeDocument/2006/relationships" xmlns:p="http://schemas.openxmlformats.org/presentationml/2006/main">
+  <p:cSld>
+    <p:spTree>
+      <p:nvGrpSpPr>
+        <p:cNvPr id="1" name=""/>
+        <p:cNvGrpSpPr/>
+        <p:nvPr/>
+      </p:nvGrpSpPr>
+      <p:grpSpPr>
+        <a:xfrm>
+          <a:off x="0" y="0"/>
+          <a:ext cx="0" cy="0"/>
+          <a:chOff x="0" y="0"/>
+          <a:chExt cx="0" cy="0"/>
+        </a:xfrm>
+      </p:grpSpPr>
+      <p:sp>
+        <p:nvSpPr>
+          <p:cNvPr id="2" name="Tijdelijke aanduiding voor dia-afbeelding 1"/>
+          <p:cNvSpPr>
+            <a:spLocks noGrp="1" noRot="1" noChangeAspect="1"/>
+          </p:cNvSpPr>
+          <p:nvPr>
+            <p:ph type="sldImg"/>
+          </p:nvPr>
+        </p:nvSpPr>
+        <p:spPr/>
+      </p:sp>
+      <p:sp>
+        <p:nvSpPr>
+          <p:cNvPr id="3" name="Tijdelijke aanduiding voor notities 2"/>
+          <p:cNvSpPr>
+            <a:spLocks noGrp="1"/>
+          </p:cNvSpPr>
+          <p:nvPr>
+            <p:ph type="body" idx="1"/>
+          </p:nvPr>
+        </p:nvSpPr>
+        <p:spPr/>
+        <p:txBody>
+          <a:bodyPr/>
+          <a:lstStyle/>
+          <a:p>
+            <a:r>
+              <a:rPr lang="nl-NL" dirty="0" err="1"/>
+              <a:t>Optional</a:t>
+            </a:r>
+            <a:r>
+              <a:rPr lang="nl-NL" dirty="0"/>
+              <a:t> </a:t>
+            </a:r>
+            <a:r>
+              <a:rPr lang="nl-NL" dirty="0" err="1"/>
+              <a:t>suggestion</a:t>
+            </a:r>
+            <a:r>
+              <a:rPr lang="nl-NL" dirty="0"/>
+              <a:t> </a:t>
+            </a:r>
+            <a:r>
+              <a:rPr lang="nl-NL" dirty="0" err="1"/>
+              <a:t>to</a:t>
+            </a:r>
+            <a:r>
+              <a:rPr lang="nl-NL" dirty="0"/>
+              <a:t> </a:t>
+            </a:r>
+            <a:r>
+              <a:rPr lang="nl-NL" dirty="0" err="1"/>
+              <a:t>remove</a:t>
+            </a:r>
+            <a:r>
+              <a:rPr lang="nl-NL" dirty="0"/>
+              <a:t> </a:t>
+            </a:r>
+            <a:r>
+              <a:rPr lang="nl-NL" dirty="0" err="1"/>
+              <a:t>joins</a:t>
+            </a:r>
+            <a:r>
+              <a:rPr lang="nl-NL" dirty="0"/>
+              <a:t>. Dataset is small</a:t>
+            </a:r>
+          </a:p>
+        </p:txBody>
+      </p:sp>
+      <p:sp>
+        <p:nvSpPr>
+          <p:cNvPr id="4" name="Tijdelijke aanduiding voor dianummer 3"/>
+          <p:cNvSpPr>
+            <a:spLocks noGrp="1"/>
+          </p:cNvSpPr>
+          <p:nvPr>
+            <p:ph type="sldNum" sz="quarter" idx="5"/>
+          </p:nvPr>
+        </p:nvSpPr>
+        <p:spPr/>
+        <p:txBody>
+          <a:bodyPr/>
+          <a:lstStyle/>
+          <a:p>
+            <a:fld id="{84713EA4-37DD-4F89-A48A-CBFC8AFE941C}" type="slidenum">
+              <a:rPr lang="nl-NL" smtClean="0"/>
+              <a:t>6</a:t>
+            </a:fld>
+            <a:endParaRPr lang="nl-NL"/>
+          </a:p>
+        </p:txBody>
+      </p:sp>
+    </p:spTree>
+    <p:extLst>
+      <p:ext uri="{BB962C8B-B14F-4D97-AF65-F5344CB8AC3E}">
+        <p14:creationId xmlns:p14="http://schemas.microsoft.com/office/powerpoint/2010/main" val="1216237587"/>
+      </p:ext>
+    </p:extLst>
+  </p:cSld>
+  <p:clrMapOvr>
+    <a:masterClrMapping/>
+  </p:clrMapOvr>
+</p:notes>
+</file>
+
+<file path=ppt/notesSlides/notesSlide6.xml><?xml version="1.0" encoding="utf-8"?>
+<p:notes xmlns:a="http://schemas.openxmlformats.org/drawingml/2006/main" xmlns:r="http://schemas.openxmlformats.org/officeDocument/2006/relationships" xmlns:p="http://schemas.openxmlformats.org/presentationml/2006/main">
+  <p:cSld>
+    <p:spTree>
+      <p:nvGrpSpPr>
+        <p:cNvPr id="1" name=""/>
+        <p:cNvGrpSpPr/>
+        <p:nvPr/>
+      </p:nvGrpSpPr>
+      <p:grpSpPr>
+        <a:xfrm>
+          <a:off x="0" y="0"/>
+          <a:ext cx="0" cy="0"/>
+          <a:chOff x="0" y="0"/>
+          <a:chExt cx="0" cy="0"/>
+        </a:xfrm>
+      </p:grpSpPr>
+      <p:sp>
+        <p:nvSpPr>
+          <p:cNvPr id="2" name="Tijdelijke aanduiding voor dia-afbeelding 1"/>
+          <p:cNvSpPr>
+            <a:spLocks noGrp="1" noRot="1" noChangeAspect="1"/>
+          </p:cNvSpPr>
+          <p:nvPr>
+            <p:ph type="sldImg"/>
+          </p:nvPr>
+        </p:nvSpPr>
+        <p:spPr/>
+      </p:sp>
+      <p:sp>
+        <p:nvSpPr>
+          <p:cNvPr id="3" name="Tijdelijke aanduiding voor notities 2"/>
+          <p:cNvSpPr>
+            <a:spLocks noGrp="1"/>
+          </p:cNvSpPr>
+          <p:nvPr>
+            <p:ph type="body" idx="1"/>
+          </p:nvPr>
+        </p:nvSpPr>
+        <p:spPr/>
+        <p:txBody>
+          <a:bodyPr/>
+          <a:lstStyle/>
+          <a:p>
+            <a:endParaRPr lang="nl-NL" dirty="0"/>
+          </a:p>
+        </p:txBody>
+      </p:sp>
+      <p:sp>
+        <p:nvSpPr>
+          <p:cNvPr id="4" name="Tijdelijke aanduiding voor dianummer 3"/>
+          <p:cNvSpPr>
+            <a:spLocks noGrp="1"/>
+          </p:cNvSpPr>
+          <p:nvPr>
+            <p:ph type="sldNum" sz="quarter" idx="5"/>
+          </p:nvPr>
+        </p:nvSpPr>
+        <p:spPr/>
+        <p:txBody>
+          <a:bodyPr/>
+          <a:lstStyle/>
+          <a:p>
+            <a:fld id="{84713EA4-37DD-4F89-A48A-CBFC8AFE941C}" type="slidenum">
+              <a:rPr lang="nl-NL" smtClean="0"/>
+              <a:t>7</a:t>
+            </a:fld>
+            <a:endParaRPr lang="nl-NL"/>
+          </a:p>
+        </p:txBody>
+      </p:sp>
+    </p:spTree>
+    <p:extLst>
+      <p:ext uri="{BB962C8B-B14F-4D97-AF65-F5344CB8AC3E}">
+        <p14:creationId xmlns:p14="http://schemas.microsoft.com/office/powerpoint/2010/main" val="959414793"/>
+      </p:ext>
+    </p:extLst>
+  </p:cSld>
+  <p:clrMapOvr>
+    <a:masterClrMapping/>
+  </p:clrMapOvr>
+</p:notes>
+</file>
+
+<file path=ppt/notesSlides/notesSlide7.xml><?xml version="1.0" encoding="utf-8"?>
+<p:notes xmlns:a="http://schemas.openxmlformats.org/drawingml/2006/main" xmlns:r="http://schemas.openxmlformats.org/officeDocument/2006/relationships" xmlns:p="http://schemas.openxmlformats.org/presentationml/2006/main">
+  <p:cSld>
+    <p:spTree>
+      <p:nvGrpSpPr>
+        <p:cNvPr id="1" name=""/>
+        <p:cNvGrpSpPr/>
+        <p:nvPr/>
+      </p:nvGrpSpPr>
+      <p:grpSpPr>
+        <a:xfrm>
+          <a:off x="0" y="0"/>
+          <a:ext cx="0" cy="0"/>
+          <a:chOff x="0" y="0"/>
+          <a:chExt cx="0" cy="0"/>
+        </a:xfrm>
+      </p:grpSpPr>
+      <p:sp>
+        <p:nvSpPr>
+          <p:cNvPr id="2" name="Tijdelijke aanduiding voor dia-afbeelding 1"/>
+          <p:cNvSpPr>
+            <a:spLocks noGrp="1" noRot="1" noChangeAspect="1"/>
+          </p:cNvSpPr>
+          <p:nvPr>
+            <p:ph type="sldImg"/>
+          </p:nvPr>
+        </p:nvSpPr>
+        <p:spPr/>
+      </p:sp>
+      <p:sp>
+        <p:nvSpPr>
+          <p:cNvPr id="3" name="Tijdelijke aanduiding voor notities 2"/>
+          <p:cNvSpPr>
+            <a:spLocks noGrp="1"/>
+          </p:cNvSpPr>
+          <p:nvPr>
+            <p:ph type="body" idx="1"/>
+          </p:nvPr>
+        </p:nvSpPr>
+        <p:spPr/>
+        <p:txBody>
+          <a:bodyPr/>
+          <a:lstStyle/>
+          <a:p>
+            <a:r>
+              <a:rPr lang="nl-NL" dirty="0"/>
+              <a:t>Broadcast </a:t>
+            </a:r>
+            <a:r>
+              <a:rPr lang="nl-NL" dirty="0" err="1"/>
+              <a:t>joins</a:t>
+            </a:r>
+            <a:r>
+              <a:rPr lang="nl-NL" dirty="0"/>
+              <a:t>: small </a:t>
+            </a:r>
+            <a:r>
+              <a:rPr lang="nl-NL" dirty="0" err="1"/>
+              <a:t>tables</a:t>
+            </a:r>
+            <a:r>
+              <a:rPr lang="nl-NL" dirty="0"/>
+              <a:t> in memory of </a:t>
+            </a:r>
+            <a:r>
+              <a:rPr lang="nl-NL" dirty="0" err="1"/>
+              <a:t>all</a:t>
+            </a:r>
+            <a:r>
+              <a:rPr lang="nl-NL" dirty="0"/>
+              <a:t> </a:t>
+            </a:r>
+            <a:r>
+              <a:rPr lang="nl-NL" dirty="0" err="1"/>
+              <a:t>worker</a:t>
+            </a:r>
+            <a:r>
+              <a:rPr lang="nl-NL" dirty="0"/>
+              <a:t> </a:t>
+            </a:r>
+            <a:r>
+              <a:rPr lang="nl-NL" dirty="0" err="1"/>
+              <a:t>nodes</a:t>
+            </a:r>
+            <a:r>
+              <a:rPr lang="nl-NL" dirty="0"/>
+              <a:t> </a:t>
+            </a:r>
+            <a:r>
+              <a:rPr lang="nl-NL" dirty="0" err="1"/>
+              <a:t>for</a:t>
+            </a:r>
+            <a:r>
+              <a:rPr lang="nl-NL" dirty="0"/>
+              <a:t> </a:t>
+            </a:r>
+            <a:r>
+              <a:rPr lang="nl-NL" dirty="0" err="1"/>
+              <a:t>fast</a:t>
+            </a:r>
+            <a:r>
+              <a:rPr lang="nl-NL" dirty="0"/>
+              <a:t> </a:t>
+            </a:r>
+            <a:r>
+              <a:rPr lang="nl-NL" dirty="0" err="1"/>
+              <a:t>joining</a:t>
+            </a:r>
+            <a:endParaRPr lang="nl-NL" dirty="0"/>
+          </a:p>
+        </p:txBody>
+      </p:sp>
+      <p:sp>
+        <p:nvSpPr>
+          <p:cNvPr id="4" name="Tijdelijke aanduiding voor dianummer 3"/>
+          <p:cNvSpPr>
+            <a:spLocks noGrp="1"/>
+          </p:cNvSpPr>
+          <p:nvPr>
+            <p:ph type="sldNum" sz="quarter" idx="5"/>
+          </p:nvPr>
+        </p:nvSpPr>
+        <p:spPr/>
+        <p:txBody>
+          <a:bodyPr/>
+          <a:lstStyle/>
+          <a:p>
+            <a:fld id="{84713EA4-37DD-4F89-A48A-CBFC8AFE941C}" type="slidenum">
+              <a:rPr lang="nl-NL" smtClean="0"/>
+              <a:t>8</a:t>
+            </a:fld>
+            <a:endParaRPr lang="nl-NL"/>
+          </a:p>
+        </p:txBody>
+      </p:sp>
+    </p:spTree>
+    <p:extLst>
+      <p:ext uri="{BB962C8B-B14F-4D97-AF65-F5344CB8AC3E}">
+        <p14:creationId xmlns:p14="http://schemas.microsoft.com/office/powerpoint/2010/main" val="3571166698"/>
+      </p:ext>
+    </p:extLst>
+  </p:cSld>
+  <p:clrMapOvr>
+    <a:masterClrMapping/>
+  </p:clrMapOvr>
+</p:notes>
+</file>
+
+<file path=ppt/notesSlides/notesSlide8.xml><?xml version="1.0" encoding="utf-8"?>
+<p:notes xmlns:a="http://schemas.openxmlformats.org/drawingml/2006/main" xmlns:r="http://schemas.openxmlformats.org/officeDocument/2006/relationships" xmlns:p="http://schemas.openxmlformats.org/presentationml/2006/main">
+  <p:cSld>
+    <p:spTree>
+      <p:nvGrpSpPr>
+        <p:cNvPr id="1" name=""/>
+        <p:cNvGrpSpPr/>
+        <p:nvPr/>
+      </p:nvGrpSpPr>
+      <p:grpSpPr>
+        <a:xfrm>
+          <a:off x="0" y="0"/>
+          <a:ext cx="0" cy="0"/>
+          <a:chOff x="0" y="0"/>
+          <a:chExt cx="0" cy="0"/>
+        </a:xfrm>
+      </p:grpSpPr>
+      <p:sp>
+        <p:nvSpPr>
+          <p:cNvPr id="2" name="Tijdelijke aanduiding voor dia-afbeelding 1"/>
+          <p:cNvSpPr>
+            <a:spLocks noGrp="1" noRot="1" noChangeAspect="1"/>
+          </p:cNvSpPr>
+          <p:nvPr>
+            <p:ph type="sldImg"/>
+          </p:nvPr>
+        </p:nvSpPr>
+        <p:spPr/>
+      </p:sp>
+      <p:sp>
+        <p:nvSpPr>
+          <p:cNvPr id="3" name="Tijdelijke aanduiding voor notities 2"/>
+          <p:cNvSpPr>
+            <a:spLocks noGrp="1"/>
+          </p:cNvSpPr>
+          <p:nvPr>
+            <p:ph type="body" idx="1"/>
+          </p:nvPr>
+        </p:nvSpPr>
+        <p:spPr/>
+        <p:txBody>
+          <a:bodyPr/>
+          <a:lstStyle/>
+          <a:p>
+            <a:r>
+              <a:rPr lang="en-GB" dirty="0"/>
+              <a:t>Detecting skew</a:t>
+            </a:r>
+            <a:endParaRPr lang="nl-NL" dirty="0"/>
+          </a:p>
+          <a:p>
+            <a:r>
+              <a:rPr lang="nl-NL" dirty="0" err="1"/>
+              <a:t>Disable</a:t>
+            </a:r>
+            <a:r>
+              <a:rPr lang="nl-NL" baseline="0" dirty="0"/>
+              <a:t> AQE</a:t>
+            </a:r>
+          </a:p>
+          <a:p>
+            <a:r>
+              <a:rPr lang="en-GB" dirty="0"/>
+              <a:t>broadcast joins should be disabled as well</a:t>
+            </a:r>
+          </a:p>
+          <a:p>
+            <a:r>
+              <a:rPr lang="en-GB" dirty="0"/>
+              <a:t>Spark UI</a:t>
+            </a:r>
+          </a:p>
+          <a:p>
+            <a:endParaRPr lang="nl-NL" dirty="0"/>
+          </a:p>
+        </p:txBody>
+      </p:sp>
+      <p:sp>
+        <p:nvSpPr>
+          <p:cNvPr id="4" name="Tijdelijke aanduiding voor dianummer 3"/>
+          <p:cNvSpPr>
+            <a:spLocks noGrp="1"/>
+          </p:cNvSpPr>
+          <p:nvPr>
+            <p:ph type="sldNum" sz="quarter" idx="5"/>
+          </p:nvPr>
+        </p:nvSpPr>
+        <p:spPr/>
+        <p:txBody>
+          <a:bodyPr/>
+          <a:lstStyle/>
+          <a:p>
+            <a:fld id="{84713EA4-37DD-4F89-A48A-CBFC8AFE941C}" type="slidenum">
+              <a:rPr lang="nl-NL" smtClean="0"/>
+              <a:t>9</a:t>
+            </a:fld>
+            <a:endParaRPr lang="nl-NL"/>
+          </a:p>
+        </p:txBody>
+      </p:sp>
+    </p:spTree>
+    <p:extLst>
+      <p:ext uri="{BB962C8B-B14F-4D97-AF65-F5344CB8AC3E}">
+        <p14:creationId xmlns:p14="http://schemas.microsoft.com/office/powerpoint/2010/main" val="445879285"/>
+      </p:ext>
+    </p:extLst>
+  </p:cSld>
+  <p:clrMapOvr>
+    <a:masterClrMapping/>
+  </p:clrMapOvr>
+</p:notes>
+</file>
+
+<file path=ppt/notesSlides/notesSlide9.xml><?xml version="1.0" encoding="utf-8"?>
+<p:notes xmlns:a="http://schemas.openxmlformats.org/drawingml/2006/main" xmlns:r="http://schemas.openxmlformats.org/officeDocument/2006/relationships" xmlns:p="http://schemas.openxmlformats.org/presentationml/2006/main">
+  <p:cSld>
+    <p:spTree>
+      <p:nvGrpSpPr>
+        <p:cNvPr id="1" name=""/>
+        <p:cNvGrpSpPr/>
+        <p:nvPr/>
+      </p:nvGrpSpPr>
+      <p:grpSpPr>
+        <a:xfrm>
+          <a:off x="0" y="0"/>
+          <a:ext cx="0" cy="0"/>
+          <a:chOff x="0" y="0"/>
+          <a:chExt cx="0" cy="0"/>
+        </a:xfrm>
+      </p:grpSpPr>
+      <p:sp>
+        <p:nvSpPr>
+          <p:cNvPr id="2" name="Tijdelijke aanduiding voor dia-afbeelding 1"/>
+          <p:cNvSpPr>
+            <a:spLocks noGrp="1" noRot="1" noChangeAspect="1"/>
+          </p:cNvSpPr>
+          <p:nvPr>
+            <p:ph type="sldImg"/>
+          </p:nvPr>
+        </p:nvSpPr>
+        <p:spPr/>
+      </p:sp>
+      <p:sp>
+        <p:nvSpPr>
+          <p:cNvPr id="3" name="Tijdelijke aanduiding voor notities 2"/>
+          <p:cNvSpPr>
+            <a:spLocks noGrp="1"/>
+          </p:cNvSpPr>
+          <p:nvPr>
+            <p:ph type="body" idx="1"/>
+          </p:nvPr>
+        </p:nvSpPr>
+        <p:spPr/>
+        <p:txBody>
+          <a:bodyPr/>
+          <a:lstStyle/>
+          <a:p>
+            <a:r>
+              <a:rPr lang="en-GB" dirty="0"/>
+              <a:t>Adaptive Query Execution is available in Spark 3.0 or newer, and is enabled by default for Spark 3.2.0 and newer versions. AQE uses “statistics to choose the more efficient query execution plan” as described in the documentation linked below. </a:t>
+            </a:r>
+          </a:p>
+          <a:p>
+            <a:endParaRPr lang="en-GB" dirty="0"/>
+          </a:p>
+          <a:p>
+            <a:r>
+              <a:rPr lang="en-GB" dirty="0"/>
+              <a:t>Partition by ID columns, to have all matching ID’s in</a:t>
+            </a:r>
+            <a:r>
+              <a:rPr lang="en-GB" baseline="0" dirty="0"/>
+              <a:t> one partition (easier </a:t>
+            </a:r>
+            <a:r>
+              <a:rPr lang="en-GB" baseline="0" dirty="0" err="1"/>
+              <a:t>shuffeling</a:t>
+            </a:r>
+            <a:r>
+              <a:rPr lang="en-GB" baseline="0" dirty="0"/>
+              <a:t>)</a:t>
+            </a:r>
+            <a:endParaRPr lang="nl-NL" dirty="0"/>
+          </a:p>
+        </p:txBody>
+      </p:sp>
+      <p:sp>
+        <p:nvSpPr>
+          <p:cNvPr id="4" name="Tijdelijke aanduiding voor dianummer 3"/>
+          <p:cNvSpPr>
+            <a:spLocks noGrp="1"/>
+          </p:cNvSpPr>
+          <p:nvPr>
+            <p:ph type="sldNum" sz="quarter" idx="5"/>
+          </p:nvPr>
+        </p:nvSpPr>
+        <p:spPr/>
+        <p:txBody>
+          <a:bodyPr/>
+          <a:lstStyle/>
+          <a:p>
+            <a:fld id="{84713EA4-37DD-4F89-A48A-CBFC8AFE941C}" type="slidenum">
+              <a:rPr lang="nl-NL" smtClean="0"/>
+              <a:t>10</a:t>
+            </a:fld>
+            <a:endParaRPr lang="nl-NL"/>
+          </a:p>
+        </p:txBody>
+      </p:sp>
+    </p:spTree>
+    <p:extLst>
+      <p:ext uri="{BB962C8B-B14F-4D97-AF65-F5344CB8AC3E}">
+        <p14:creationId xmlns:p14="http://schemas.microsoft.com/office/powerpoint/2010/main" val="3812637170"/>
+      </p:ext>
+    </p:extLst>
+  </p:cSld>
+  <p:clrMapOvr>
+    <a:masterClrMapping/>
+  </p:clrMapOvr>
+</p:notes>
 </file>
 
 <file path=ppt/slideLayouts/slideLayout1.xml><?xml version="1.0" encoding="utf-8"?>
@@ -13355,7 +14803,23 @@
           <a:p>
             <a:r>
               <a:rPr lang="nl-NL" dirty="0"/>
-              <a:t>Bart Zwemmer</a:t>
+              <a:t>Bart Zwemmer, </a:t>
+            </a:r>
+            <a:r>
+              <a:rPr lang="nl-NL" dirty="0" err="1"/>
+              <a:t>June</a:t>
+            </a:r>
+            <a:r>
+              <a:rPr lang="nl-NL" dirty="0"/>
+              <a:t> 12</a:t>
+            </a:r>
+            <a:r>
+              <a:rPr lang="nl-NL" baseline="30000" dirty="0"/>
+              <a:t>th</a:t>
+            </a:r>
+            <a:r>
+              <a:rPr lang="nl-NL" dirty="0"/>
+              <a:t>, 2023</a:t>
             </a:r>
           </a:p>
         </p:txBody>
@@ -13370,6 +14834,238 @@
   <p:clrMapOvr>
     <a:masterClrMapping/>
   </p:clrMapOvr>
+</p:sld>
+</file>
+
+<file path=ppt/slides/slide10.xml><?xml version="1.0" encoding="utf-8"?>
+<p:sld xmlns:a="http://schemas.openxmlformats.org/drawingml/2006/main" xmlns:r="http://schemas.openxmlformats.org/officeDocument/2006/relationships" xmlns:p="http://schemas.openxmlformats.org/presentationml/2006/main">
+  <p:cSld>
+    <p:spTree>
+      <p:nvGrpSpPr>
+        <p:cNvPr id="1" name=""/>
+        <p:cNvGrpSpPr/>
+        <p:nvPr/>
+      </p:nvGrpSpPr>
+      <p:grpSpPr>
+        <a:xfrm>
+          <a:off x="0" y="0"/>
+          <a:ext cx="0" cy="0"/>
+          <a:chOff x="0" y="0"/>
+          <a:chExt cx="0" cy="0"/>
+        </a:xfrm>
+      </p:grpSpPr>
+      <p:sp>
+        <p:nvSpPr>
+          <p:cNvPr id="2" name="Titel 1">
+            <a:extLst>
+              <a:ext uri="{FF2B5EF4-FFF2-40B4-BE49-F238E27FC236}">
+                <a16:creationId xmlns:a16="http://schemas.microsoft.com/office/drawing/2014/main" id="{B9366B90-74A3-3032-0C2A-CCFA03E9177F}"/>
+              </a:ext>
+            </a:extLst>
+          </p:cNvPr>
+          <p:cNvSpPr>
+            <a:spLocks noGrp="1"/>
+          </p:cNvSpPr>
+          <p:nvPr>
+            <p:ph type="title"/>
+          </p:nvPr>
+        </p:nvSpPr>
+        <p:spPr/>
+        <p:txBody>
+          <a:bodyPr/>
+          <a:lstStyle/>
+          <a:p>
+            <a:r>
+              <a:rPr lang="nl-NL" dirty="0" err="1"/>
+              <a:t>Improvements</a:t>
+            </a:r>
+            <a:r>
+              <a:rPr lang="nl-NL" dirty="0"/>
+              <a:t> – data </a:t>
+            </a:r>
+            <a:r>
+              <a:rPr lang="nl-NL" dirty="0" err="1"/>
+              <a:t>skew</a:t>
+            </a:r>
+            <a:endParaRPr lang="nl-NL" dirty="0"/>
+          </a:p>
+        </p:txBody>
+      </p:sp>
+      <p:sp>
+        <p:nvSpPr>
+          <p:cNvPr id="9" name="Tijdelijke aanduiding voor tekst 8">
+            <a:extLst>
+              <a:ext uri="{FF2B5EF4-FFF2-40B4-BE49-F238E27FC236}">
+                <a16:creationId xmlns:a16="http://schemas.microsoft.com/office/drawing/2014/main" id="{347DF415-7246-36BD-85B8-85E1DF3485BC}"/>
+              </a:ext>
+            </a:extLst>
+          </p:cNvPr>
+          <p:cNvSpPr>
+            <a:spLocks noGrp="1"/>
+          </p:cNvSpPr>
+          <p:nvPr>
+            <p:ph type="body" sz="quarter" idx="20"/>
+          </p:nvPr>
+        </p:nvSpPr>
+        <p:spPr/>
+        <p:txBody>
+          <a:bodyPr>
+            <a:normAutofit fontScale="25000" lnSpcReduction="20000"/>
+          </a:bodyPr>
+          <a:lstStyle/>
+          <a:p>
+            <a:endParaRPr lang="nl-NL"/>
+          </a:p>
+        </p:txBody>
+      </p:sp>
+      <p:sp>
+        <p:nvSpPr>
+          <p:cNvPr id="3" name="Tekstvak 2">
+            <a:extLst>
+              <a:ext uri="{FF2B5EF4-FFF2-40B4-BE49-F238E27FC236}">
+                <a16:creationId xmlns:a16="http://schemas.microsoft.com/office/drawing/2014/main" id="{3573728A-4DB4-2368-268E-8BFCF907DC0B}"/>
+              </a:ext>
+            </a:extLst>
+          </p:cNvPr>
+          <p:cNvSpPr txBox="1"/>
+          <p:nvPr/>
+        </p:nvSpPr>
+        <p:spPr>
+          <a:xfrm>
+            <a:off x="898071" y="2057400"/>
+            <a:ext cx="7401665" cy="1754326"/>
+          </a:xfrm>
+          <a:prstGeom prst="rect">
+            <a:avLst/>
+          </a:prstGeom>
+          <a:noFill/>
+        </p:spPr>
+        <p:txBody>
+          <a:bodyPr wrap="square" rtlCol="0">
+            <a:spAutoFit/>
+          </a:bodyPr>
+          <a:lstStyle/>
+          <a:p>
+            <a:pPr marL="285750" indent="-285750">
+              <a:buFontTx/>
+              <a:buChar char="-"/>
+            </a:pPr>
+            <a:r>
+              <a:rPr lang="nl-NL" dirty="0" err="1"/>
+              <a:t>Row</a:t>
+            </a:r>
+            <a:r>
+              <a:rPr lang="nl-NL" dirty="0"/>
+              <a:t> </a:t>
+            </a:r>
+            <a:r>
+              <a:rPr lang="nl-NL" dirty="0" err="1"/>
+              <a:t>number</a:t>
+            </a:r>
+            <a:r>
+              <a:rPr lang="nl-NL" dirty="0"/>
+              <a:t> index</a:t>
+            </a:r>
+            <a:endParaRPr lang="nl-NL" dirty="0">
+              <a:hlinkClick r:id="rId3"/>
+            </a:endParaRPr>
+          </a:p>
+          <a:p>
+            <a:pPr marL="285750" indent="-285750">
+              <a:buFontTx/>
+              <a:buChar char="-"/>
+            </a:pPr>
+            <a:r>
+              <a:rPr lang="en-GB" dirty="0">
+                <a:hlinkClick r:id="rId3"/>
+              </a:rPr>
+              <a:t>Using Adaptive Query Execution</a:t>
+            </a:r>
+            <a:r>
+              <a:rPr lang="en-GB" dirty="0"/>
+              <a:t> (AQE)</a:t>
+            </a:r>
+          </a:p>
+          <a:p>
+            <a:pPr marL="285750" indent="-285750">
+              <a:buFontTx/>
+              <a:buChar char="-"/>
+            </a:pPr>
+            <a:endParaRPr lang="en-GB" dirty="0"/>
+          </a:p>
+          <a:p>
+            <a:pPr marL="285750" indent="-285750">
+              <a:buFontTx/>
+              <a:buChar char="-"/>
+            </a:pPr>
+            <a:endParaRPr lang="nl-NL" dirty="0"/>
+          </a:p>
+          <a:p>
+            <a:endParaRPr lang="nl-NL" dirty="0"/>
+          </a:p>
+          <a:p>
+            <a:endParaRPr lang="nl-NL" dirty="0"/>
+          </a:p>
+        </p:txBody>
+      </p:sp>
+      <p:pic>
+        <p:nvPicPr>
+          <p:cNvPr id="6" name="Afbeelding 5" descr="Afbeelding met tekst, visitekaartje, schermopname, Lettertype&#10;&#10;Automatisch gegenereerde beschrijving">
+            <a:extLst>
+              <a:ext uri="{FF2B5EF4-FFF2-40B4-BE49-F238E27FC236}">
+                <a16:creationId xmlns:a16="http://schemas.microsoft.com/office/drawing/2014/main" id="{017EFE53-5CEB-0120-91D1-DDC1C38D5756}"/>
+              </a:ext>
+            </a:extLst>
+          </p:cNvPr>
+          <p:cNvPicPr>
+            <a:picLocks noChangeAspect="1"/>
+          </p:cNvPicPr>
+          <p:nvPr/>
+        </p:nvPicPr>
+        <p:blipFill>
+          <a:blip r:embed="rId4">
+            <a:extLst>
+              <a:ext uri="{28A0092B-C50C-407E-A947-70E740481C1C}">
+                <a14:useLocalDpi xmlns:a14="http://schemas.microsoft.com/office/drawing/2010/main" val="0"/>
+              </a:ext>
+            </a:extLst>
+          </a:blip>
+          <a:stretch>
+            <a:fillRect/>
+          </a:stretch>
+        </p:blipFill>
+        <p:spPr>
+          <a:xfrm>
+            <a:off x="457199" y="2934563"/>
+            <a:ext cx="6569075" cy="3302292"/>
+          </a:xfrm>
+          <a:prstGeom prst="rect">
+            <a:avLst/>
+          </a:prstGeom>
+        </p:spPr>
+      </p:pic>
+    </p:spTree>
+    <p:extLst>
+      <p:ext uri="{BB962C8B-B14F-4D97-AF65-F5344CB8AC3E}">
+        <p14:creationId xmlns:p14="http://schemas.microsoft.com/office/powerpoint/2010/main" val="1373292382"/>
+      </p:ext>
+    </p:extLst>
+  </p:cSld>
+  <p:clrMapOvr>
+    <a:masterClrMapping/>
+  </p:clrMapOvr>
+  <mc:AlternateContent xmlns:mc="http://schemas.openxmlformats.org/markup-compatibility/2006">
+    <mc:Choice xmlns:p14="http://schemas.microsoft.com/office/powerpoint/2010/main" Requires="p14">
+      <p:transition spd="med" p14:dur="700">
+        <p:fade/>
+      </p:transition>
+    </mc:Choice>
+    <mc:Fallback>
+      <p:transition spd="med">
+        <p:fade/>
+      </p:transition>
+    </mc:Fallback>
+  </mc:AlternateContent>
 </p:sld>
 </file>
 
@@ -13767,7 +15463,7 @@
         </p:nvSpPr>
         <p:spPr>
           <a:xfrm>
-            <a:off x="898071" y="2057400"/>
+            <a:off x="838200" y="1690688"/>
             <a:ext cx="7401665" cy="3693319"/>
           </a:xfrm>
           <a:prstGeom prst="rect">
@@ -14236,16 +15932,12 @@
           <a:lstStyle/>
           <a:p>
             <a:r>
+              <a:rPr lang="nl-NL" dirty="0"/>
+              <a:t>Data download </a:t>
+            </a:r>
+            <a:r>
               <a:rPr lang="nl-NL" dirty="0" err="1"/>
-              <a:t>Bronze</a:t>
-            </a:r>
-            <a:r>
-              <a:rPr lang="nl-NL" dirty="0"/>
-              <a:t> </a:t>
-            </a:r>
-            <a:r>
-              <a:rPr lang="nl-NL" dirty="0" err="1"/>
-              <a:t>tables</a:t>
+              <a:t>improvements</a:t>
             </a:r>
             <a:endParaRPr lang="nl-NL" dirty="0"/>
           </a:p>
@@ -14292,8 +15984,8 @@
         </p:nvSpPr>
         <p:spPr>
           <a:xfrm>
-            <a:off x="898071" y="2057400"/>
-            <a:ext cx="7401665" cy="1200329"/>
+            <a:off x="838200" y="1690688"/>
+            <a:ext cx="7401665" cy="923330"/>
           </a:xfrm>
           <a:prstGeom prst="rect">
             <a:avLst/>
@@ -14308,7 +16000,15 @@
           <a:p>
             <a:r>
               <a:rPr lang="nl-NL" dirty="0"/>
-              <a:t>DBMS Folder </a:t>
+              <a:t>Store </a:t>
+            </a:r>
+            <a:r>
+              <a:rPr lang="nl-NL" dirty="0" err="1"/>
+              <a:t>XML’s</a:t>
+            </a:r>
+            <a:r>
+              <a:rPr lang="nl-NL" dirty="0"/>
+              <a:t> </a:t>
             </a:r>
             <a:r>
               <a:rPr lang="nl-NL" dirty="0" err="1"/>
@@ -14316,26 +16016,19 @@
             </a:r>
             <a:r>
               <a:rPr lang="nl-NL" dirty="0"/>
-              <a:t> </a:t>
+              <a:t> bucket/</a:t>
             </a:r>
             <a:r>
               <a:rPr lang="nl-NL" dirty="0" err="1"/>
-              <a:t>DataFrame</a:t>
-            </a:r>
-            <a:endParaRPr lang="nl-NL" dirty="0"/>
-          </a:p>
-          <a:p>
-            <a:pPr marL="285750" indent="-285750">
-              <a:buFontTx/>
-              <a:buChar char="-"/>
-            </a:pPr>
+              <a:t>cloud</a:t>
+            </a:r>
             <a:r>
               <a:rPr lang="nl-NL" dirty="0"/>
-              <a:t>GLOB </a:t>
+              <a:t> storage </a:t>
             </a:r>
             <a:r>
               <a:rPr lang="nl-NL" dirty="0" err="1"/>
-              <a:t>pattern</a:t>
+              <a:t>for</a:t>
             </a:r>
             <a:r>
               <a:rPr lang="nl-NL" dirty="0"/>
@@ -14343,125 +16036,56 @@
             </a:r>
             <a:r>
               <a:rPr lang="nl-NL" dirty="0" err="1"/>
-              <a:t>to</a:t>
+              <a:t>persistence</a:t>
+            </a:r>
+            <a:endParaRPr lang="nl-NL" dirty="0"/>
+          </a:p>
+          <a:p>
+            <a:r>
+              <a:rPr lang="nl-NL" dirty="0" err="1"/>
+              <a:t>Only</a:t>
             </a:r>
             <a:r>
               <a:rPr lang="nl-NL" dirty="0"/>
-              <a:t> </a:t>
+              <a:t> download new files</a:t>
+            </a:r>
+          </a:p>
+          <a:p>
+            <a:r>
+              <a:rPr lang="nl-NL" dirty="0"/>
+              <a:t>XML </a:t>
             </a:r>
             <a:r>
               <a:rPr lang="nl-NL" dirty="0" err="1"/>
-              <a:t>read</a:t>
+              <a:t>Parser</a:t>
             </a:r>
             <a:r>
               <a:rPr lang="nl-NL" dirty="0"/>
-              <a:t> </a:t>
+              <a:t> in </a:t>
             </a:r>
             <a:r>
               <a:rPr lang="nl-NL" dirty="0" err="1"/>
-              <a:t>all</a:t>
+              <a:t>downloader</a:t>
             </a:r>
             <a:r>
               <a:rPr lang="nl-NL" dirty="0"/>
-              <a:t> XML files </a:t>
+              <a:t> in </a:t>
             </a:r>
             <a:r>
               <a:rPr lang="nl-NL" dirty="0" err="1"/>
-              <a:t>into</a:t>
+              <a:t>stead</a:t>
             </a:r>
             <a:r>
               <a:rPr lang="nl-NL" dirty="0"/>
-              <a:t> </a:t>
+              <a:t> of </a:t>
             </a:r>
             <a:r>
               <a:rPr lang="nl-NL" dirty="0" err="1"/>
-              <a:t>DataFrames</a:t>
-            </a:r>
-            <a:endParaRPr lang="nl-NL" dirty="0"/>
-          </a:p>
-          <a:p>
-            <a:pPr marL="285750" indent="-285750">
-              <a:buFontTx/>
-              <a:buChar char="-"/>
-            </a:pPr>
+              <a:t>splitting</a:t>
+            </a:r>
             <a:r>
               <a:rPr lang="nl-NL" dirty="0"/>
-              <a:t>XSD </a:t>
-            </a:r>
-            <a:r>
-              <a:rPr lang="nl-NL" dirty="0" err="1"/>
-              <a:t>for</a:t>
-            </a:r>
-            <a:r>
-              <a:rPr lang="nl-NL" dirty="0"/>
-              <a:t> </a:t>
-            </a:r>
-            <a:r>
-              <a:rPr lang="nl-NL" dirty="0" err="1"/>
-              <a:t>table</a:t>
-            </a:r>
-            <a:r>
-              <a:rPr lang="nl-NL" dirty="0"/>
-              <a:t> </a:t>
-            </a:r>
-            <a:r>
-              <a:rPr lang="nl-NL" dirty="0" err="1"/>
-              <a:t>definition</a:t>
-            </a:r>
-            <a:r>
-              <a:rPr lang="nl-NL" dirty="0"/>
-              <a:t> </a:t>
-            </a:r>
-            <a:r>
-              <a:rPr lang="nl-NL" dirty="0" err="1"/>
-              <a:t>and</a:t>
-            </a:r>
-            <a:r>
-              <a:rPr lang="nl-NL" dirty="0"/>
-              <a:t> data </a:t>
-            </a:r>
-            <a:r>
-              <a:rPr lang="nl-NL" dirty="0" err="1"/>
-              <a:t>validation</a:t>
-            </a:r>
-            <a:endParaRPr lang="nl-NL" dirty="0"/>
-          </a:p>
-          <a:p>
-            <a:pPr marL="285750" indent="-285750">
-              <a:buFontTx/>
-              <a:buChar char="-"/>
-            </a:pPr>
-            <a:r>
-              <a:rPr lang="nl-NL" dirty="0" err="1"/>
-              <a:t>Use</a:t>
-            </a:r>
-            <a:r>
-              <a:rPr lang="nl-NL" dirty="0"/>
-              <a:t> </a:t>
-            </a:r>
-            <a:r>
-              <a:rPr lang="nl-NL" dirty="0" err="1"/>
-              <a:t>DataFrames</a:t>
-            </a:r>
-            <a:r>
-              <a:rPr lang="nl-NL" dirty="0"/>
-              <a:t> </a:t>
-            </a:r>
-            <a:r>
-              <a:rPr lang="nl-NL" dirty="0" err="1"/>
-              <a:t>for</a:t>
-            </a:r>
-            <a:r>
-              <a:rPr lang="nl-NL" dirty="0"/>
-              <a:t> </a:t>
-            </a:r>
-            <a:r>
-              <a:rPr lang="nl-NL" dirty="0" err="1"/>
-              <a:t>validation</a:t>
-            </a:r>
-            <a:r>
-              <a:rPr lang="nl-NL" dirty="0"/>
-              <a:t>/processing</a:t>
+              <a:t> strings</a:t>
             </a:r>
           </a:p>
         </p:txBody>
@@ -14469,7 +16093,7 @@
     </p:spTree>
     <p:extLst>
       <p:ext uri="{BB962C8B-B14F-4D97-AF65-F5344CB8AC3E}">
-        <p14:creationId xmlns:p14="http://schemas.microsoft.com/office/powerpoint/2010/main" val="1639304953"/>
+        <p14:creationId xmlns:p14="http://schemas.microsoft.com/office/powerpoint/2010/main" val="475666747"/>
       </p:ext>
     </p:extLst>
   </p:cSld>
@@ -14530,8 +16154,12 @@
           <a:lstStyle/>
           <a:p>
             <a:r>
+              <a:rPr lang="nl-NL" dirty="0" err="1"/>
+              <a:t>Bronze</a:t>
+            </a:r>
+            <a:r>
               <a:rPr lang="nl-NL" dirty="0"/>
-              <a:t>Silver </a:t>
+              <a:t> </a:t>
             </a:r>
             <a:r>
               <a:rPr lang="nl-NL" dirty="0" err="1"/>
@@ -14583,7 +16211,7 @@
         <p:spPr>
           <a:xfrm>
             <a:off x="898071" y="2057400"/>
-            <a:ext cx="7401665" cy="369332"/>
+            <a:ext cx="7401665" cy="1200329"/>
           </a:xfrm>
           <a:prstGeom prst="rect">
             <a:avLst/>
@@ -14597,8 +16225,12 @@
           <a:lstStyle/>
           <a:p>
             <a:r>
+              <a:rPr lang="nl-NL" dirty="0"/>
+              <a:t>DBMS Folder </a:t>
+            </a:r>
+            <a:r>
               <a:rPr lang="nl-NL" dirty="0" err="1"/>
-              <a:t>Convert</a:t>
+              <a:t>to</a:t>
             </a:r>
             <a:r>
               <a:rPr lang="nl-NL" dirty="0"/>
@@ -14606,7 +16238,22 @@
             </a:r>
             <a:r>
               <a:rPr lang="nl-NL" dirty="0" err="1"/>
-              <a:t>bronze</a:t>
+              <a:t>DataFrame</a:t>
+            </a:r>
+            <a:endParaRPr lang="nl-NL" dirty="0"/>
+          </a:p>
+          <a:p>
+            <a:pPr marL="285750" indent="-285750">
+              <a:buFontTx/>
+              <a:buChar char="-"/>
+            </a:pPr>
+            <a:r>
+              <a:rPr lang="nl-NL" dirty="0"/>
+              <a:t>GLOB </a:t>
+            </a:r>
+            <a:r>
+              <a:rPr lang="nl-NL" dirty="0" err="1"/>
+              <a:t>pattern</a:t>
             </a:r>
             <a:r>
               <a:rPr lang="nl-NL" dirty="0"/>
@@ -14614,7 +16261,7 @@
             </a:r>
             <a:r>
               <a:rPr lang="nl-NL" dirty="0" err="1"/>
-              <a:t>tables</a:t>
+              <a:t>to</a:t>
             </a:r>
             <a:r>
               <a:rPr lang="nl-NL" dirty="0"/>
@@ -14622,11 +16269,117 @@
             </a:r>
             <a:r>
               <a:rPr lang="nl-NL" dirty="0" err="1"/>
-              <a:t>to</a:t>
+              <a:t>read</a:t>
             </a:r>
             <a:r>
               <a:rPr lang="nl-NL" dirty="0"/>
-              <a:t> star model</a:t>
+              <a:t> </a:t>
+            </a:r>
+            <a:r>
+              <a:rPr lang="nl-NL" dirty="0" err="1"/>
+              <a:t>all</a:t>
+            </a:r>
+            <a:r>
+              <a:rPr lang="nl-NL" dirty="0"/>
+              <a:t> XML files </a:t>
+            </a:r>
+            <a:r>
+              <a:rPr lang="nl-NL" dirty="0" err="1"/>
+              <a:t>into</a:t>
+            </a:r>
+            <a:r>
+              <a:rPr lang="nl-NL" dirty="0"/>
+              <a:t> </a:t>
+            </a:r>
+            <a:r>
+              <a:rPr lang="nl-NL" dirty="0" err="1"/>
+              <a:t>DataFrames</a:t>
+            </a:r>
+            <a:endParaRPr lang="nl-NL" dirty="0"/>
+          </a:p>
+          <a:p>
+            <a:pPr marL="285750" indent="-285750">
+              <a:buFontTx/>
+              <a:buChar char="-"/>
+            </a:pPr>
+            <a:r>
+              <a:rPr lang="nl-NL" dirty="0"/>
+              <a:t>XSD </a:t>
+            </a:r>
+            <a:r>
+              <a:rPr lang="nl-NL" dirty="0" err="1"/>
+              <a:t>for</a:t>
+            </a:r>
+            <a:r>
+              <a:rPr lang="nl-NL" dirty="0"/>
+              <a:t> </a:t>
+            </a:r>
+            <a:r>
+              <a:rPr lang="nl-NL" dirty="0" err="1"/>
+              <a:t>table</a:t>
+            </a:r>
+            <a:r>
+              <a:rPr lang="nl-NL" dirty="0"/>
+              <a:t> </a:t>
+            </a:r>
+            <a:r>
+              <a:rPr lang="nl-NL" dirty="0" err="1"/>
+              <a:t>definition</a:t>
+            </a:r>
+            <a:r>
+              <a:rPr lang="nl-NL" dirty="0"/>
+              <a:t> </a:t>
+            </a:r>
+            <a:r>
+              <a:rPr lang="nl-NL" dirty="0" err="1"/>
+              <a:t>and</a:t>
+            </a:r>
+            <a:r>
+              <a:rPr lang="nl-NL" dirty="0"/>
+              <a:t> data </a:t>
+            </a:r>
+            <a:r>
+              <a:rPr lang="nl-NL" dirty="0" err="1"/>
+              <a:t>validation</a:t>
+            </a:r>
+            <a:endParaRPr lang="nl-NL" dirty="0"/>
+          </a:p>
+          <a:p>
+            <a:pPr marL="285750" indent="-285750">
+              <a:buFontTx/>
+              <a:buChar char="-"/>
+            </a:pPr>
+            <a:r>
+              <a:rPr lang="nl-NL" dirty="0" err="1"/>
+              <a:t>Use</a:t>
+            </a:r>
+            <a:r>
+              <a:rPr lang="nl-NL" dirty="0"/>
+              <a:t> </a:t>
+            </a:r>
+            <a:r>
+              <a:rPr lang="nl-NL" dirty="0" err="1"/>
+              <a:t>DataFrames</a:t>
+            </a:r>
+            <a:r>
+              <a:rPr lang="nl-NL" dirty="0"/>
+              <a:t> </a:t>
+            </a:r>
+            <a:r>
+              <a:rPr lang="nl-NL" dirty="0" err="1"/>
+              <a:t>for</a:t>
+            </a:r>
+            <a:r>
+              <a:rPr lang="nl-NL" dirty="0"/>
+              <a:t> </a:t>
+            </a:r>
+            <a:r>
+              <a:rPr lang="nl-NL" dirty="0" err="1"/>
+              <a:t>validation</a:t>
+            </a:r>
+            <a:r>
+              <a:rPr lang="nl-NL" dirty="0"/>
+              <a:t>/processing</a:t>
             </a:r>
           </a:p>
         </p:txBody>
@@ -14634,7 +16387,7 @@
     </p:spTree>
     <p:extLst>
       <p:ext uri="{BB962C8B-B14F-4D97-AF65-F5344CB8AC3E}">
-        <p14:creationId xmlns:p14="http://schemas.microsoft.com/office/powerpoint/2010/main" val="754097747"/>
+        <p14:creationId xmlns:p14="http://schemas.microsoft.com/office/powerpoint/2010/main" val="1639304953"/>
       </p:ext>
     </p:extLst>
   </p:cSld>
@@ -14695,9 +16448,420 @@
           <a:lstStyle/>
           <a:p>
             <a:r>
+              <a:rPr lang="nl-NL" dirty="0" err="1"/>
+              <a:t>Bronze</a:t>
+            </a:r>
+            <a:r>
               <a:rPr lang="nl-NL" dirty="0"/>
-              <a:t>SQL dashboard</a:t>
-            </a:r>
+              <a:t> </a:t>
+            </a:r>
+            <a:r>
+              <a:rPr lang="nl-NL" dirty="0" err="1"/>
+              <a:t>tables</a:t>
+            </a:r>
+            <a:r>
+              <a:rPr lang="nl-NL" dirty="0"/>
+              <a:t> </a:t>
+            </a:r>
+            <a:r>
+              <a:rPr lang="nl-NL" dirty="0" err="1"/>
+              <a:t>improvements</a:t>
+            </a:r>
+            <a:endParaRPr lang="nl-NL" dirty="0"/>
+          </a:p>
+        </p:txBody>
+      </p:sp>
+      <p:sp>
+        <p:nvSpPr>
+          <p:cNvPr id="9" name="Tijdelijke aanduiding voor tekst 8">
+            <a:extLst>
+              <a:ext uri="{FF2B5EF4-FFF2-40B4-BE49-F238E27FC236}">
+                <a16:creationId xmlns:a16="http://schemas.microsoft.com/office/drawing/2014/main" id="{347DF415-7246-36BD-85B8-85E1DF3485BC}"/>
+              </a:ext>
+            </a:extLst>
+          </p:cNvPr>
+          <p:cNvSpPr>
+            <a:spLocks noGrp="1"/>
+          </p:cNvSpPr>
+          <p:nvPr>
+            <p:ph type="body" sz="quarter" idx="20"/>
+          </p:nvPr>
+        </p:nvSpPr>
+        <p:spPr/>
+        <p:txBody>
+          <a:bodyPr>
+            <a:normAutofit fontScale="25000" lnSpcReduction="20000"/>
+          </a:bodyPr>
+          <a:lstStyle/>
+          <a:p>
+            <a:endParaRPr lang="nl-NL"/>
+          </a:p>
+        </p:txBody>
+      </p:sp>
+      <p:sp>
+        <p:nvSpPr>
+          <p:cNvPr id="13" name="Tekstvak 12">
+            <a:extLst>
+              <a:ext uri="{FF2B5EF4-FFF2-40B4-BE49-F238E27FC236}">
+                <a16:creationId xmlns:a16="http://schemas.microsoft.com/office/drawing/2014/main" id="{9A296580-1C84-8F3F-0160-E70C28F670ED}"/>
+              </a:ext>
+            </a:extLst>
+          </p:cNvPr>
+          <p:cNvSpPr txBox="1"/>
+          <p:nvPr/>
+        </p:nvSpPr>
+        <p:spPr>
+          <a:xfrm>
+            <a:off x="898071" y="2057400"/>
+            <a:ext cx="7401665" cy="646331"/>
+          </a:xfrm>
+          <a:prstGeom prst="rect">
+            <a:avLst/>
+          </a:prstGeom>
+          <a:noFill/>
+        </p:spPr>
+        <p:txBody>
+          <a:bodyPr wrap="square" rtlCol="0">
+            <a:spAutoFit/>
+          </a:bodyPr>
+          <a:lstStyle/>
+          <a:p>
+            <a:r>
+              <a:rPr lang="nl-NL" dirty="0" err="1"/>
+              <a:t>Joins</a:t>
+            </a:r>
+            <a:r>
+              <a:rPr lang="nl-NL" dirty="0"/>
+              <a:t> are </a:t>
+            </a:r>
+            <a:r>
+              <a:rPr lang="nl-NL" dirty="0" err="1"/>
+              <a:t>expensive</a:t>
+            </a:r>
+            <a:endParaRPr lang="nl-NL" dirty="0"/>
+          </a:p>
+          <a:p>
+            <a:r>
+              <a:rPr lang="nl-NL" dirty="0" err="1"/>
+              <a:t>Optionally</a:t>
+            </a:r>
+            <a:r>
+              <a:rPr lang="nl-NL" dirty="0"/>
+              <a:t> </a:t>
+            </a:r>
+            <a:r>
+              <a:rPr lang="nl-NL" dirty="0" err="1"/>
+              <a:t>denormalize</a:t>
+            </a:r>
+            <a:r>
+              <a:rPr lang="nl-NL" dirty="0"/>
+              <a:t> data </a:t>
+            </a:r>
+            <a:r>
+              <a:rPr lang="nl-NL" dirty="0" err="1"/>
+              <a:t>into</a:t>
+            </a:r>
+            <a:r>
+              <a:rPr lang="nl-NL" dirty="0"/>
+              <a:t> flat </a:t>
+            </a:r>
+            <a:r>
+              <a:rPr lang="nl-NL" dirty="0" err="1"/>
+              <a:t>tables</a:t>
+            </a:r>
+            <a:r>
+              <a:rPr lang="nl-NL" dirty="0"/>
+              <a:t> in </a:t>
+            </a:r>
+            <a:r>
+              <a:rPr lang="nl-NL" dirty="0" err="1"/>
+              <a:t>stead</a:t>
+            </a:r>
+            <a:r>
+              <a:rPr lang="nl-NL" dirty="0"/>
+              <a:t> of star model</a:t>
+            </a:r>
+          </a:p>
+        </p:txBody>
+      </p:sp>
+    </p:spTree>
+    <p:extLst>
+      <p:ext uri="{BB962C8B-B14F-4D97-AF65-F5344CB8AC3E}">
+        <p14:creationId xmlns:p14="http://schemas.microsoft.com/office/powerpoint/2010/main" val="263856913"/>
+      </p:ext>
+    </p:extLst>
+  </p:cSld>
+  <p:clrMapOvr>
+    <a:masterClrMapping/>
+  </p:clrMapOvr>
+  <mc:AlternateContent xmlns:mc="http://schemas.openxmlformats.org/markup-compatibility/2006">
+    <mc:Choice xmlns:p14="http://schemas.microsoft.com/office/powerpoint/2010/main" Requires="p14">
+      <p:transition spd="med" p14:dur="700">
+        <p:fade/>
+      </p:transition>
+    </mc:Choice>
+    <mc:Fallback>
+      <p:transition spd="med">
+        <p:fade/>
+      </p:transition>
+    </mc:Fallback>
+  </mc:AlternateContent>
+</p:sld>
+</file>
+
+<file path=ppt/slides/slide7.xml><?xml version="1.0" encoding="utf-8"?>
+<p:sld xmlns:a="http://schemas.openxmlformats.org/drawingml/2006/main" xmlns:r="http://schemas.openxmlformats.org/officeDocument/2006/relationships" xmlns:p="http://schemas.openxmlformats.org/presentationml/2006/main">
+  <p:cSld>
+    <p:spTree>
+      <p:nvGrpSpPr>
+        <p:cNvPr id="1" name=""/>
+        <p:cNvGrpSpPr/>
+        <p:nvPr/>
+      </p:nvGrpSpPr>
+      <p:grpSpPr>
+        <a:xfrm>
+          <a:off x="0" y="0"/>
+          <a:ext cx="0" cy="0"/>
+          <a:chOff x="0" y="0"/>
+          <a:chExt cx="0" cy="0"/>
+        </a:xfrm>
+      </p:grpSpPr>
+      <p:sp>
+        <p:nvSpPr>
+          <p:cNvPr id="2" name="Titel 1">
+            <a:extLst>
+              <a:ext uri="{FF2B5EF4-FFF2-40B4-BE49-F238E27FC236}">
+                <a16:creationId xmlns:a16="http://schemas.microsoft.com/office/drawing/2014/main" id="{B9366B90-74A3-3032-0C2A-CCFA03E9177F}"/>
+              </a:ext>
+            </a:extLst>
+          </p:cNvPr>
+          <p:cNvSpPr>
+            <a:spLocks noGrp="1"/>
+          </p:cNvSpPr>
+          <p:nvPr>
+            <p:ph type="title"/>
+          </p:nvPr>
+        </p:nvSpPr>
+        <p:spPr/>
+        <p:txBody>
+          <a:bodyPr/>
+          <a:lstStyle/>
+          <a:p>
+            <a:r>
+              <a:rPr lang="nl-NL" dirty="0"/>
+              <a:t>Silver </a:t>
+            </a:r>
+            <a:r>
+              <a:rPr lang="nl-NL" dirty="0" err="1"/>
+              <a:t>tables</a:t>
+            </a:r>
+            <a:endParaRPr lang="nl-NL" dirty="0"/>
+          </a:p>
+        </p:txBody>
+      </p:sp>
+      <p:sp>
+        <p:nvSpPr>
+          <p:cNvPr id="9" name="Tijdelijke aanduiding voor tekst 8">
+            <a:extLst>
+              <a:ext uri="{FF2B5EF4-FFF2-40B4-BE49-F238E27FC236}">
+                <a16:creationId xmlns:a16="http://schemas.microsoft.com/office/drawing/2014/main" id="{347DF415-7246-36BD-85B8-85E1DF3485BC}"/>
+              </a:ext>
+            </a:extLst>
+          </p:cNvPr>
+          <p:cNvSpPr>
+            <a:spLocks noGrp="1"/>
+          </p:cNvSpPr>
+          <p:nvPr>
+            <p:ph type="body" sz="quarter" idx="20"/>
+          </p:nvPr>
+        </p:nvSpPr>
+        <p:spPr/>
+        <p:txBody>
+          <a:bodyPr>
+            <a:normAutofit fontScale="25000" lnSpcReduction="20000"/>
+          </a:bodyPr>
+          <a:lstStyle/>
+          <a:p>
+            <a:endParaRPr lang="nl-NL"/>
+          </a:p>
+        </p:txBody>
+      </p:sp>
+      <p:sp>
+        <p:nvSpPr>
+          <p:cNvPr id="13" name="Tekstvak 12">
+            <a:extLst>
+              <a:ext uri="{FF2B5EF4-FFF2-40B4-BE49-F238E27FC236}">
+                <a16:creationId xmlns:a16="http://schemas.microsoft.com/office/drawing/2014/main" id="{9A296580-1C84-8F3F-0160-E70C28F670ED}"/>
+              </a:ext>
+            </a:extLst>
+          </p:cNvPr>
+          <p:cNvSpPr txBox="1"/>
+          <p:nvPr/>
+        </p:nvSpPr>
+        <p:spPr>
+          <a:xfrm>
+            <a:off x="898071" y="2057400"/>
+            <a:ext cx="7401665" cy="923330"/>
+          </a:xfrm>
+          <a:prstGeom prst="rect">
+            <a:avLst/>
+          </a:prstGeom>
+          <a:noFill/>
+        </p:spPr>
+        <p:txBody>
+          <a:bodyPr wrap="square" rtlCol="0">
+            <a:spAutoFit/>
+          </a:bodyPr>
+          <a:lstStyle/>
+          <a:p>
+            <a:r>
+              <a:rPr lang="nl-NL" dirty="0" err="1"/>
+              <a:t>Convert</a:t>
+            </a:r>
+            <a:r>
+              <a:rPr lang="nl-NL" dirty="0"/>
+              <a:t> </a:t>
+            </a:r>
+            <a:r>
+              <a:rPr lang="nl-NL" dirty="0" err="1"/>
+              <a:t>bronze</a:t>
+            </a:r>
+            <a:r>
+              <a:rPr lang="nl-NL" dirty="0"/>
+              <a:t> </a:t>
+            </a:r>
+            <a:r>
+              <a:rPr lang="nl-NL" dirty="0" err="1"/>
+              <a:t>tables</a:t>
+            </a:r>
+            <a:r>
+              <a:rPr lang="nl-NL" dirty="0"/>
+              <a:t> </a:t>
+            </a:r>
+            <a:r>
+              <a:rPr lang="nl-NL" dirty="0" err="1"/>
+              <a:t>to</a:t>
+            </a:r>
+            <a:r>
+              <a:rPr lang="nl-NL" dirty="0"/>
+              <a:t> star model</a:t>
+            </a:r>
+          </a:p>
+          <a:p>
+            <a:r>
+              <a:rPr lang="nl-NL" dirty="0" err="1"/>
+              <a:t>Only</a:t>
+            </a:r>
+            <a:r>
+              <a:rPr lang="nl-NL" dirty="0"/>
+              <a:t> append new </a:t>
+            </a:r>
+            <a:r>
+              <a:rPr lang="nl-NL" dirty="0" err="1"/>
+              <a:t>dimension</a:t>
+            </a:r>
+            <a:r>
+              <a:rPr lang="nl-NL" dirty="0"/>
+              <a:t> </a:t>
+            </a:r>
+            <a:r>
+              <a:rPr lang="nl-NL" dirty="0" err="1"/>
+              <a:t>and</a:t>
+            </a:r>
+            <a:r>
+              <a:rPr lang="nl-NL" dirty="0"/>
+              <a:t> </a:t>
+            </a:r>
+            <a:r>
+              <a:rPr lang="nl-NL" dirty="0" err="1"/>
+              <a:t>fact</a:t>
+            </a:r>
+            <a:r>
+              <a:rPr lang="nl-NL" dirty="0"/>
+              <a:t> data</a:t>
+            </a:r>
+          </a:p>
+          <a:p>
+            <a:endParaRPr lang="nl-NL" dirty="0"/>
+          </a:p>
+        </p:txBody>
+      </p:sp>
+    </p:spTree>
+    <p:extLst>
+      <p:ext uri="{BB962C8B-B14F-4D97-AF65-F5344CB8AC3E}">
+        <p14:creationId xmlns:p14="http://schemas.microsoft.com/office/powerpoint/2010/main" val="754097747"/>
+      </p:ext>
+    </p:extLst>
+  </p:cSld>
+  <p:clrMapOvr>
+    <a:masterClrMapping/>
+  </p:clrMapOvr>
+  <mc:AlternateContent xmlns:mc="http://schemas.openxmlformats.org/markup-compatibility/2006">
+    <mc:Choice xmlns:p14="http://schemas.microsoft.com/office/powerpoint/2010/main" Requires="p14">
+      <p:transition spd="med" p14:dur="700">
+        <p:fade/>
+      </p:transition>
+    </mc:Choice>
+    <mc:Fallback>
+      <p:transition spd="med">
+        <p:fade/>
+      </p:transition>
+    </mc:Fallback>
+  </mc:AlternateContent>
+</p:sld>
+</file>
+
+<file path=ppt/slides/slide8.xml><?xml version="1.0" encoding="utf-8"?>
+<p:sld xmlns:a="http://schemas.openxmlformats.org/drawingml/2006/main" xmlns:r="http://schemas.openxmlformats.org/officeDocument/2006/relationships" xmlns:p="http://schemas.openxmlformats.org/presentationml/2006/main">
+  <p:cSld>
+    <p:spTree>
+      <p:nvGrpSpPr>
+        <p:cNvPr id="1" name=""/>
+        <p:cNvGrpSpPr/>
+        <p:nvPr/>
+      </p:nvGrpSpPr>
+      <p:grpSpPr>
+        <a:xfrm>
+          <a:off x="0" y="0"/>
+          <a:ext cx="0" cy="0"/>
+          <a:chOff x="0" y="0"/>
+          <a:chExt cx="0" cy="0"/>
+        </a:xfrm>
+      </p:grpSpPr>
+      <p:sp>
+        <p:nvSpPr>
+          <p:cNvPr id="2" name="Titel 1">
+            <a:extLst>
+              <a:ext uri="{FF2B5EF4-FFF2-40B4-BE49-F238E27FC236}">
+                <a16:creationId xmlns:a16="http://schemas.microsoft.com/office/drawing/2014/main" id="{B9366B90-74A3-3032-0C2A-CCFA03E9177F}"/>
+              </a:ext>
+            </a:extLst>
+          </p:cNvPr>
+          <p:cNvSpPr>
+            <a:spLocks noGrp="1"/>
+          </p:cNvSpPr>
+          <p:nvPr>
+            <p:ph type="title"/>
+          </p:nvPr>
+        </p:nvSpPr>
+        <p:spPr/>
+        <p:txBody>
+          <a:bodyPr/>
+          <a:lstStyle/>
+          <a:p>
+            <a:r>
+              <a:rPr lang="nl-NL" dirty="0" err="1"/>
+              <a:t>Improvements</a:t>
+            </a:r>
+            <a:r>
+              <a:rPr lang="nl-NL" dirty="0"/>
+              <a:t> - </a:t>
+            </a:r>
+            <a:r>
+              <a:rPr lang="nl-NL" dirty="0" err="1"/>
+              <a:t>joins</a:t>
+            </a:r>
+            <a:endParaRPr lang="nl-NL" dirty="0"/>
           </a:p>
         </p:txBody>
       </p:sp>
@@ -14757,25 +16921,266 @@
           <a:lstStyle/>
           <a:p>
             <a:r>
+              <a:rPr lang="nl-NL" dirty="0"/>
+              <a:t>Optimizing </a:t>
+            </a:r>
+            <a:r>
               <a:rPr lang="nl-NL" dirty="0" err="1"/>
-              <a:t>Databricks</a:t>
+              <a:t>joins</a:t>
             </a:r>
             <a:r>
               <a:rPr lang="nl-NL" dirty="0"/>
-              <a:t> Dashboard on top of Silver </a:t>
+              <a:t> </a:t>
             </a:r>
             <a:r>
               <a:rPr lang="nl-NL" dirty="0" err="1"/>
-              <a:t>tables</a:t>
+              <a:t>by</a:t>
+            </a:r>
+            <a:r>
+              <a:rPr lang="nl-NL" dirty="0"/>
+              <a:t> </a:t>
+            </a:r>
+            <a:r>
+              <a:rPr lang="nl-NL" dirty="0" err="1"/>
+              <a:t>allowing</a:t>
+            </a:r>
+            <a:r>
+              <a:rPr lang="nl-NL" dirty="0"/>
+              <a:t> </a:t>
+            </a:r>
+            <a:r>
+              <a:rPr lang="nl-NL" dirty="0" err="1"/>
+              <a:t>boradcast</a:t>
+            </a:r>
+            <a:r>
+              <a:rPr lang="nl-NL" dirty="0"/>
+              <a:t> </a:t>
+            </a:r>
+            <a:r>
+              <a:rPr lang="nl-NL" dirty="0" err="1"/>
+              <a:t>joins</a:t>
             </a:r>
             <a:endParaRPr lang="nl-NL" dirty="0"/>
           </a:p>
         </p:txBody>
       </p:sp>
+      <p:pic>
+        <p:nvPicPr>
+          <p:cNvPr id="6" name="Afbeelding 5" descr="Afbeelding met tekst, visitekaartje, schermopname, Lettertype&#10;&#10;Automatisch gegenereerde beschrijving">
+            <a:extLst>
+              <a:ext uri="{FF2B5EF4-FFF2-40B4-BE49-F238E27FC236}">
+                <a16:creationId xmlns:a16="http://schemas.microsoft.com/office/drawing/2014/main" id="{A1D6B005-A46A-D452-96A2-44DBC53B0876}"/>
+              </a:ext>
+            </a:extLst>
+          </p:cNvPr>
+          <p:cNvPicPr>
+            <a:picLocks noChangeAspect="1"/>
+          </p:cNvPicPr>
+          <p:nvPr/>
+        </p:nvPicPr>
+        <p:blipFill rotWithShape="1">
+          <a:blip r:embed="rId3">
+            <a:extLst>
+              <a:ext uri="{28A0092B-C50C-407E-A947-70E740481C1C}">
+                <a14:useLocalDpi xmlns:a14="http://schemas.microsoft.com/office/drawing/2010/main" val="0"/>
+              </a:ext>
+            </a:extLst>
+          </a:blip>
+          <a:srcRect l="5416" t="23208" r="5521" b="24909"/>
+          <a:stretch/>
+        </p:blipFill>
+        <p:spPr>
+          <a:xfrm>
+            <a:off x="838200" y="2426732"/>
+            <a:ext cx="10858500" cy="1549400"/>
+          </a:xfrm>
+          <a:prstGeom prst="rect">
+            <a:avLst/>
+          </a:prstGeom>
+        </p:spPr>
+      </p:pic>
     </p:spTree>
     <p:extLst>
       <p:ext uri="{BB962C8B-B14F-4D97-AF65-F5344CB8AC3E}">
-        <p14:creationId xmlns:p14="http://schemas.microsoft.com/office/powerpoint/2010/main" val="3932928425"/>
+        <p14:creationId xmlns:p14="http://schemas.microsoft.com/office/powerpoint/2010/main" val="2747161263"/>
+      </p:ext>
+    </p:extLst>
+  </p:cSld>
+  <p:clrMapOvr>
+    <a:masterClrMapping/>
+  </p:clrMapOvr>
+  <mc:AlternateContent xmlns:mc="http://schemas.openxmlformats.org/markup-compatibility/2006">
+    <mc:Choice xmlns:p14="http://schemas.microsoft.com/office/powerpoint/2010/main" Requires="p14">
+      <p:transition spd="med" p14:dur="700">
+        <p:fade/>
+      </p:transition>
+    </mc:Choice>
+    <mc:Fallback>
+      <p:transition spd="med">
+        <p:fade/>
+      </p:transition>
+    </mc:Fallback>
+  </mc:AlternateContent>
+</p:sld>
+</file>
+
+<file path=ppt/slides/slide9.xml><?xml version="1.0" encoding="utf-8"?>
+<p:sld xmlns:a="http://schemas.openxmlformats.org/drawingml/2006/main" xmlns:r="http://schemas.openxmlformats.org/officeDocument/2006/relationships" xmlns:p="http://schemas.openxmlformats.org/presentationml/2006/main">
+  <p:cSld>
+    <p:spTree>
+      <p:nvGrpSpPr>
+        <p:cNvPr id="1" name=""/>
+        <p:cNvGrpSpPr/>
+        <p:nvPr/>
+      </p:nvGrpSpPr>
+      <p:grpSpPr>
+        <a:xfrm>
+          <a:off x="0" y="0"/>
+          <a:ext cx="0" cy="0"/>
+          <a:chOff x="0" y="0"/>
+          <a:chExt cx="0" cy="0"/>
+        </a:xfrm>
+      </p:grpSpPr>
+      <p:sp>
+        <p:nvSpPr>
+          <p:cNvPr id="2" name="Titel 1">
+            <a:extLst>
+              <a:ext uri="{FF2B5EF4-FFF2-40B4-BE49-F238E27FC236}">
+                <a16:creationId xmlns:a16="http://schemas.microsoft.com/office/drawing/2014/main" id="{B9366B90-74A3-3032-0C2A-CCFA03E9177F}"/>
+              </a:ext>
+            </a:extLst>
+          </p:cNvPr>
+          <p:cNvSpPr>
+            <a:spLocks noGrp="1"/>
+          </p:cNvSpPr>
+          <p:nvPr>
+            <p:ph type="title"/>
+          </p:nvPr>
+        </p:nvSpPr>
+        <p:spPr/>
+        <p:txBody>
+          <a:bodyPr/>
+          <a:lstStyle/>
+          <a:p>
+            <a:r>
+              <a:rPr lang="nl-NL" dirty="0" err="1"/>
+              <a:t>Improvements</a:t>
+            </a:r>
+            <a:r>
+              <a:rPr lang="nl-NL" dirty="0"/>
+              <a:t> – data </a:t>
+            </a:r>
+            <a:r>
+              <a:rPr lang="nl-NL" dirty="0" err="1"/>
+              <a:t>skew</a:t>
+            </a:r>
+            <a:endParaRPr lang="nl-NL" dirty="0"/>
+          </a:p>
+        </p:txBody>
+      </p:sp>
+      <p:sp>
+        <p:nvSpPr>
+          <p:cNvPr id="9" name="Tijdelijke aanduiding voor tekst 8">
+            <a:extLst>
+              <a:ext uri="{FF2B5EF4-FFF2-40B4-BE49-F238E27FC236}">
+                <a16:creationId xmlns:a16="http://schemas.microsoft.com/office/drawing/2014/main" id="{347DF415-7246-36BD-85B8-85E1DF3485BC}"/>
+              </a:ext>
+            </a:extLst>
+          </p:cNvPr>
+          <p:cNvSpPr>
+            <a:spLocks noGrp="1"/>
+          </p:cNvSpPr>
+          <p:nvPr>
+            <p:ph type="body" sz="quarter" idx="20"/>
+          </p:nvPr>
+        </p:nvSpPr>
+        <p:spPr/>
+        <p:txBody>
+          <a:bodyPr>
+            <a:normAutofit fontScale="25000" lnSpcReduction="20000"/>
+          </a:bodyPr>
+          <a:lstStyle/>
+          <a:p>
+            <a:endParaRPr lang="nl-NL"/>
+          </a:p>
+        </p:txBody>
+      </p:sp>
+      <p:pic>
+        <p:nvPicPr>
+          <p:cNvPr id="4" name="Afbeelding 3" descr="Afbeelding met diagram, Perceel, lijn, ontwerp&#10;&#10;Automatisch gegenereerde beschrijving">
+            <a:extLst>
+              <a:ext uri="{FF2B5EF4-FFF2-40B4-BE49-F238E27FC236}">
+                <a16:creationId xmlns:a16="http://schemas.microsoft.com/office/drawing/2014/main" id="{F0485DA2-75E1-EB31-3D74-E2B71428761B}"/>
+              </a:ext>
+            </a:extLst>
+          </p:cNvPr>
+          <p:cNvPicPr>
+            <a:picLocks noChangeAspect="1"/>
+          </p:cNvPicPr>
+          <p:nvPr/>
+        </p:nvPicPr>
+        <p:blipFill>
+          <a:blip r:embed="rId3">
+            <a:extLst>
+              <a:ext uri="{28A0092B-C50C-407E-A947-70E740481C1C}">
+                <a14:useLocalDpi xmlns:a14="http://schemas.microsoft.com/office/drawing/2010/main" val="0"/>
+              </a:ext>
+            </a:extLst>
+          </a:blip>
+          <a:stretch>
+            <a:fillRect/>
+          </a:stretch>
+        </p:blipFill>
+        <p:spPr>
+          <a:xfrm>
+            <a:off x="-911225" y="1371600"/>
+            <a:ext cx="9311878" cy="2514600"/>
+          </a:xfrm>
+          <a:prstGeom prst="rect">
+            <a:avLst/>
+          </a:prstGeom>
+        </p:spPr>
+      </p:pic>
+      <p:pic>
+        <p:nvPicPr>
+          <p:cNvPr id="7" name="Afbeelding 6" descr="Afbeelding met tekst, schermopname, lijn, diagram&#10;&#10;Automatisch gegenereerde beschrijving">
+            <a:extLst>
+              <a:ext uri="{FF2B5EF4-FFF2-40B4-BE49-F238E27FC236}">
+                <a16:creationId xmlns:a16="http://schemas.microsoft.com/office/drawing/2014/main" id="{1C7E07B2-3DE6-96FD-EA1E-4453D17390F5}"/>
+              </a:ext>
+            </a:extLst>
+          </p:cNvPr>
+          <p:cNvPicPr>
+            <a:picLocks noChangeAspect="1"/>
+          </p:cNvPicPr>
+          <p:nvPr/>
+        </p:nvPicPr>
+        <p:blipFill>
+          <a:blip r:embed="rId4">
+            <a:extLst>
+              <a:ext uri="{28A0092B-C50C-407E-A947-70E740481C1C}">
+                <a14:useLocalDpi xmlns:a14="http://schemas.microsoft.com/office/drawing/2010/main" val="0"/>
+              </a:ext>
+            </a:extLst>
+          </a:blip>
+          <a:stretch>
+            <a:fillRect/>
+          </a:stretch>
+        </p:blipFill>
+        <p:spPr>
+          <a:xfrm>
+            <a:off x="6336258" y="3886200"/>
+            <a:ext cx="5017542" cy="2459989"/>
+          </a:xfrm>
+          <a:prstGeom prst="rect">
+            <a:avLst/>
+          </a:prstGeom>
+        </p:spPr>
+      </p:pic>
+    </p:spTree>
+    <p:extLst>
+      <p:ext uri="{BB962C8B-B14F-4D97-AF65-F5344CB8AC3E}">
+        <p14:creationId xmlns:p14="http://schemas.microsoft.com/office/powerpoint/2010/main" val="3272368865"/>
       </p:ext>
     </p:extLst>
   </p:cSld>
@@ -14996,4 +17401,299 @@
     </a:ext>
   </a:extLst>
 </a:theme>
+</file>
+
+<file path=ppt/theme/theme2.xml><?xml version="1.0" encoding="utf-8"?>
+<a:theme xmlns:a="http://schemas.openxmlformats.org/drawingml/2006/main" name="Kantoorthema">
+  <a:themeElements>
+    <a:clrScheme name="Office">
+      <a:dk1>
+        <a:sysClr val="windowText" lastClr="000000"/>
+      </a:dk1>
+      <a:lt1>
+        <a:sysClr val="window" lastClr="FFFFFF"/>
+      </a:lt1>
+      <a:dk2>
+        <a:srgbClr val="44546A"/>
+      </a:dk2>
+      <a:lt2>
+        <a:srgbClr val="E7E6E6"/>
+      </a:lt2>
+      <a:accent1>
+        <a:srgbClr val="4472C4"/>
+      </a:accent1>
+      <a:accent2>
+        <a:srgbClr val="ED7D31"/>
+      </a:accent2>
+      <a:accent3>
+        <a:srgbClr val="A5A5A5"/>
+      </a:accent3>
+      <a:accent4>
+        <a:srgbClr val="FFC000"/>
+      </a:accent4>
+      <a:accent5>
+        <a:srgbClr val="5B9BD5"/>
+      </a:accent5>
+      <a:accent6>
+        <a:srgbClr val="70AD47"/>
+      </a:accent6>
+      <a:hlink>
+        <a:srgbClr val="0563C1"/>
+      </a:hlink>
+      <a:folHlink>
+        <a:srgbClr val="954F72"/>
+      </a:folHlink>
+    </a:clrScheme>
+    <a:fontScheme name="Office">
+      <a:majorFont>
+        <a:latin typeface="Calibri Light" panose="020F0302020204030204"/>
+        <a:ea typeface=""/>
+        <a:cs typeface=""/>
+        <a:font script="Jpan" typeface="游ゴシック Light"/>
+        <a:font script="Hang" typeface="맑은 고딕"/>
+        <a:font script="Hans" typeface="等线 Light"/>
+        <a:font script="Hant" typeface="新細明體"/>
+        <a:font script="Arab" typeface="Times New Roman"/>
+        <a:font script="Hebr" typeface="Times New Roman"/>
+        <a:font script="Thai" typeface="Angsana New"/>
+        <a:font script="Ethi" typeface="Nyala"/>
+        <a:font script="Beng" typeface="Vrinda"/>
+        <a:font script="Gujr" typeface="Shruti"/>
+        <a:font script="Khmr" typeface="MoolBoran"/>
+        <a:font script="Knda" typeface="Tunga"/>
+        <a:font script="Guru" typeface="Raavi"/>
+        <a:font script="Cans" typeface="Euphemia"/>
+        <a:font script="Cher" typeface="Plantagenet Cherokee"/>
+        <a:font script="Yiii" typeface="Microsoft Yi Baiti"/>
+        <a:font script="Tibt" typeface="Microsoft Himalaya"/>
+        <a:font script="Thaa" typeface="MV Boli"/>
+        <a:font script="Deva" typeface="Mangal"/>
+        <a:font script="Telu" typeface="Gautami"/>
+        <a:font script="Taml" typeface="Latha"/>
+        <a:font script="Syrc" typeface="Estrangelo Edessa"/>
+        <a:font script="Orya" typeface="Kalinga"/>
+        <a:font script="Mlym" typeface="Kartika"/>
+        <a:font script="Laoo" typeface="DokChampa"/>
+        <a:font script="Sinh" typeface="Iskoola Pota"/>
+        <a:font script="Mong" typeface="Mongolian Baiti"/>
+        <a:font script="Viet" typeface="Times New Roman"/>
+        <a:font script="Uigh" typeface="Microsoft Uighur"/>
+        <a:font script="Geor" typeface="Sylfaen"/>
+        <a:font script="Armn" typeface="Arial"/>
+        <a:font script="Bugi" typeface="Leelawadee UI"/>
+        <a:font script="Bopo" typeface="Microsoft JhengHei"/>
+        <a:font script="Java" typeface="Javanese Text"/>
+        <a:font script="Lisu" typeface="Segoe UI"/>
+        <a:font script="Mymr" typeface="Myanmar Text"/>
+        <a:font script="Nkoo" typeface="Ebrima"/>
+        <a:font script="Olck" typeface="Nirmala UI"/>
+        <a:font script="Osma" typeface="Ebrima"/>
+        <a:font script="Phag" typeface="Phagspa"/>
+        <a:font script="Syrn" typeface="Estrangelo Edessa"/>
+        <a:font script="Syrj" typeface="Estrangelo Edessa"/>
+        <a:font script="Syre" typeface="Estrangelo Edessa"/>
+        <a:font script="Sora" typeface="Nirmala UI"/>
+        <a:font script="Tale" typeface="Microsoft Tai Le"/>
+        <a:font script="Talu" typeface="Microsoft New Tai Lue"/>
+        <a:font script="Tfng" typeface="Ebrima"/>
+      </a:majorFont>
+      <a:minorFont>
+        <a:latin typeface="Calibri" panose="020F0502020204030204"/>
+        <a:ea typeface=""/>
+        <a:cs typeface=""/>
+        <a:font script="Jpan" typeface="游ゴシック"/>
+        <a:font script="Hang" typeface="맑은 고딕"/>
+        <a:font script="Hans" typeface="等线"/>
+        <a:font script="Hant" typeface="新細明體"/>
+        <a:font script="Arab" typeface="Arial"/>
+        <a:font script="Hebr" typeface="Arial"/>
+        <a:font script="Thai" typeface="Cordia New"/>
+        <a:font script="Ethi" typeface="Nyala"/>
+        <a:font script="Beng" typeface="Vrinda"/>
+        <a:font script="Gujr" typeface="Shruti"/>
+        <a:font script="Khmr" typeface="DaunPenh"/>
+        <a:font script="Knda" typeface="Tunga"/>
+        <a:font script="Guru" typeface="Raavi"/>
+        <a:font script="Cans" typeface="Euphemia"/>
+        <a:font script="Cher" typeface="Plantagenet Cherokee"/>
+        <a:font script="Yiii" typeface="Microsoft Yi Baiti"/>
+        <a:font script="Tibt" typeface="Microsoft Himalaya"/>
+        <a:font script="Thaa" typeface="MV Boli"/>
+        <a:font script="Deva" typeface="Mangal"/>
+        <a:font script="Telu" typeface="Gautami"/>
+        <a:font script="Taml" typeface="Latha"/>
+        <a:font script="Syrc" typeface="Estrangelo Edessa"/>
+        <a:font script="Orya" typeface="Kalinga"/>
+        <a:font script="Mlym" typeface="Kartika"/>
+        <a:font script="Laoo" typeface="DokChampa"/>
+        <a:font script="Sinh" typeface="Iskoola Pota"/>
+        <a:font script="Mong" typeface="Mongolian Baiti"/>
+        <a:font script="Viet" typeface="Arial"/>
+        <a:font script="Uigh" typeface="Microsoft Uighur"/>
+        <a:font script="Geor" typeface="Sylfaen"/>
+        <a:font script="Armn" typeface="Arial"/>
+        <a:font script="Bugi" typeface="Leelawadee UI"/>
+        <a:font script="Bopo" typeface="Microsoft JhengHei"/>
+        <a:font script="Java" typeface="Javanese Text"/>
+        <a:font script="Lisu" typeface="Segoe UI"/>
+        <a:font script="Mymr" typeface="Myanmar Text"/>
+        <a:font script="Nkoo" typeface="Ebrima"/>
+        <a:font script="Olck" typeface="Nirmala UI"/>
+        <a:font script="Osma" typeface="Ebrima"/>
+        <a:font script="Phag" typeface="Phagspa"/>
+        <a:font script="Syrn" typeface="Estrangelo Edessa"/>
+        <a:font script="Syrj" typeface="Estrangelo Edessa"/>
+        <a:font script="Syre" typeface="Estrangelo Edessa"/>
+        <a:font script="Sora" typeface="Nirmala UI"/>
+        <a:font script="Tale" typeface="Microsoft Tai Le"/>
+        <a:font script="Talu" typeface="Microsoft New Tai Lue"/>
+        <a:font script="Tfng" typeface="Ebrima"/>
+      </a:minorFont>
+    </a:fontScheme>
+    <a:fmtScheme name="Office">
+      <a:fillStyleLst>
+        <a:solidFill>
+          <a:schemeClr val="phClr"/>
+        </a:solidFill>
+        <a:gradFill rotWithShape="1">
+          <a:gsLst>
+            <a:gs pos="0">
+              <a:schemeClr val="phClr">
+                <a:lumMod val="110000"/>
+                <a:satMod val="105000"/>
+                <a:tint val="67000"/>
+              </a:schemeClr>
+            </a:gs>
+            <a:gs pos="50000">
+              <a:schemeClr val="phClr">
+                <a:lumMod val="105000"/>
+                <a:satMod val="103000"/>
+                <a:tint val="73000"/>
+              </a:schemeClr>
+            </a:gs>
+            <a:gs pos="100000">
+              <a:schemeClr val="phClr">
+                <a:lumMod val="105000"/>
+                <a:satMod val="109000"/>
+                <a:tint val="81000"/>
+              </a:schemeClr>
+            </a:gs>
+          </a:gsLst>
+          <a:lin ang="5400000" scaled="0"/>
+        </a:gradFill>
+        <a:gradFill rotWithShape="1">
+          <a:gsLst>
+            <a:gs pos="0">
+              <a:schemeClr val="phClr">
+                <a:satMod val="103000"/>
+                <a:lumMod val="102000"/>
+                <a:tint val="94000"/>
+              </a:schemeClr>
+            </a:gs>
+            <a:gs pos="50000">
+              <a:schemeClr val="phClr">
+                <a:satMod val="110000"/>
+                <a:lumMod val="100000"/>
+                <a:shade val="100000"/>
+              </a:schemeClr>
+            </a:gs>
+            <a:gs pos="100000">
+              <a:schemeClr val="phClr">
+                <a:lumMod val="99000"/>
+                <a:satMod val="120000"/>
+                <a:shade val="78000"/>
+              </a:schemeClr>
+            </a:gs>
+          </a:gsLst>
+          <a:lin ang="5400000" scaled="0"/>
+        </a:gradFill>
+      </a:fillStyleLst>
+      <a:lnStyleLst>
+        <a:ln w="6350" cap="flat" cmpd="sng" algn="ctr">
+          <a:solidFill>
+            <a:schemeClr val="phClr"/>
+          </a:solidFill>
+          <a:prstDash val="solid"/>
+          <a:miter lim="800000"/>
+        </a:ln>
+        <a:ln w="12700" cap="flat" cmpd="sng" algn="ctr">
+          <a:solidFill>
+            <a:schemeClr val="phClr"/>
+          </a:solidFill>
+          <a:prstDash val="solid"/>
+          <a:miter lim="800000"/>
+        </a:ln>
+        <a:ln w="19050" cap="flat" cmpd="sng" algn="ctr">
+          <a:solidFill>
+            <a:schemeClr val="phClr"/>
+          </a:solidFill>
+          <a:prstDash val="solid"/>
+          <a:miter lim="800000"/>
+        </a:ln>
+      </a:lnStyleLst>
+      <a:effectStyleLst>
+        <a:effectStyle>
+          <a:effectLst/>
+        </a:effectStyle>
+        <a:effectStyle>
+          <a:effectLst/>
+        </a:effectStyle>
+        <a:effectStyle>
+          <a:effectLst>
+            <a:outerShdw blurRad="57150" dist="19050" dir="5400000" algn="ctr" rotWithShape="0">
+              <a:srgbClr val="000000">
+                <a:alpha val="63000"/>
+              </a:srgbClr>
+            </a:outerShdw>
+          </a:effectLst>
+        </a:effectStyle>
+      </a:effectStyleLst>
+      <a:bgFillStyleLst>
+        <a:solidFill>
+          <a:schemeClr val="phClr"/>
+        </a:solidFill>
+        <a:solidFill>
+          <a:schemeClr val="phClr">
+            <a:tint val="95000"/>
+            <a:satMod val="170000"/>
+          </a:schemeClr>
+        </a:solidFill>
+        <a:gradFill rotWithShape="1">
+          <a:gsLst>
+            <a:gs pos="0">
+              <a:schemeClr val="phClr">
+                <a:tint val="93000"/>
+                <a:satMod val="150000"/>
+                <a:shade val="98000"/>
+                <a:lumMod val="102000"/>
+              </a:schemeClr>
+            </a:gs>
+            <a:gs pos="50000">
+              <a:schemeClr val="phClr">
+                <a:tint val="98000"/>
+                <a:satMod val="130000"/>
+                <a:shade val="90000"/>
+                <a:lumMod val="103000"/>
+              </a:schemeClr>
+            </a:gs>
+            <a:gs pos="100000">
+              <a:schemeClr val="phClr">
+                <a:shade val="63000"/>
+                <a:satMod val="120000"/>
+              </a:schemeClr>
+            </a:gs>
+          </a:gsLst>
+          <a:lin ang="5400000" scaled="0"/>
+        </a:gradFill>
+      </a:bgFillStyleLst>
+    </a:fmtScheme>
+  </a:themeElements>
+  <a:objectDefaults/>
+  <a:extraClrSchemeLst/>
+  <a:extLst>
+    <a:ext uri="{05A4C25C-085E-4340-85A3-A5531E510DB2}">
+      <thm15:themeFamily xmlns:thm15="http://schemas.microsoft.com/office/thememl/2012/main" name="Office Theme" id="{62F939B6-93AF-4DB8-9C6B-D6C7DFDC589F}" vid="{4A3C46E8-61CC-4603-A589-7422A47A8E4A}"/>
+    </a:ext>
+  </a:extLst>
+</a:theme>
 </file>
--- a/docs/Rijksmuseum_data.pptx
+++ b/docs/Rijksmuseum_data.pptx
@@ -15985,7 +15985,7 @@
         <p:spPr>
           <a:xfrm>
             <a:off x="838200" y="1690688"/>
-            <a:ext cx="7401665" cy="923330"/>
+            <a:ext cx="7401665" cy="1200329"/>
           </a:xfrm>
           <a:prstGeom prst="rect">
             <a:avLst/>
@@ -15998,6 +15998,10 @@
           </a:bodyPr>
           <a:lstStyle/>
           <a:p>
+            <a:pPr marL="285750" indent="-285750">
+              <a:buFont typeface="Arial" panose="020B0604020202020204" pitchFamily="34" charset="0"/>
+              <a:buChar char="•"/>
+            </a:pPr>
             <a:r>
               <a:rPr lang="nl-NL" dirty="0"/>
               <a:t>Store </a:t>
@@ -16041,6 +16045,10 @@
             <a:endParaRPr lang="nl-NL" dirty="0"/>
           </a:p>
           <a:p>
+            <a:pPr marL="285750" indent="-285750">
+              <a:buFont typeface="Arial" panose="020B0604020202020204" pitchFamily="34" charset="0"/>
+              <a:buChar char="•"/>
+            </a:pPr>
             <a:r>
               <a:rPr lang="nl-NL" dirty="0" err="1"/>
               <a:t>Only</a:t>
@@ -16051,6 +16059,10 @@
             </a:r>
           </a:p>
           <a:p>
+            <a:pPr marL="285750" indent="-285750">
+              <a:buFont typeface="Arial" panose="020B0604020202020204" pitchFamily="34" charset="0"/>
+              <a:buChar char="•"/>
+            </a:pPr>
             <a:r>
               <a:rPr lang="nl-NL" dirty="0"/>
               <a:t>XML </a:t>
@@ -16088,8 +16100,52 @@
               <a:t> strings</a:t>
             </a:r>
           </a:p>
-        </p:txBody>
-      </p:sp>
+          <a:p>
+            <a:pPr marL="285750" indent="-285750">
+              <a:buFont typeface="Arial" panose="020B0604020202020204" pitchFamily="34" charset="0"/>
+              <a:buChar char="•"/>
+            </a:pPr>
+            <a:r>
+              <a:rPr lang="nl-NL" dirty="0" err="1"/>
+              <a:t>Retry</a:t>
+            </a:r>
+            <a:r>
+              <a:rPr lang="nl-NL" dirty="0"/>
+              <a:t> on failure</a:t>
+            </a:r>
+          </a:p>
+        </p:txBody>
+      </p:sp>
+      <p:pic>
+        <p:nvPicPr>
+          <p:cNvPr id="4" name="Afbeelding 3">
+            <a:extLst>
+              <a:ext uri="{FF2B5EF4-FFF2-40B4-BE49-F238E27FC236}">
+                <a16:creationId xmlns:a16="http://schemas.microsoft.com/office/drawing/2014/main" id="{9512FC46-71FC-F84D-0B0E-E1AFE15A5FF0}"/>
+              </a:ext>
+            </a:extLst>
+          </p:cNvPr>
+          <p:cNvPicPr>
+            <a:picLocks noChangeAspect="1"/>
+          </p:cNvPicPr>
+          <p:nvPr/>
+        </p:nvPicPr>
+        <p:blipFill>
+          <a:blip r:embed="rId2"/>
+          <a:stretch>
+            <a:fillRect/>
+          </a:stretch>
+        </p:blipFill>
+        <p:spPr>
+          <a:xfrm>
+            <a:off x="838200" y="3524927"/>
+            <a:ext cx="7240010" cy="1295581"/>
+          </a:xfrm>
+          <a:prstGeom prst="rect">
+            <a:avLst/>
+          </a:prstGeom>
+        </p:spPr>
+      </p:pic>
     </p:spTree>
     <p:extLst>
       <p:ext uri="{BB962C8B-B14F-4D97-AF65-F5344CB8AC3E}">
